--- a/Practice Code/S3 - PRACTICE - Flex Box - Real Cases/EX 1/Start  - CSS STRATEGY.pptx
+++ b/Practice Code/S3 - PRACTICE - Flex Box - Real Cases/EX 1/Start  - CSS STRATEGY.pptx
@@ -8,6 +8,9 @@
     <p:sldId id="256" r:id="rId2"/>
     <p:sldId id="258" r:id="rId3"/>
     <p:sldId id="257" r:id="rId4"/>
+    <p:sldId id="259" r:id="rId5"/>
+    <p:sldId id="260" r:id="rId6"/>
+    <p:sldId id="261" r:id="rId7"/>
   </p:sldIdLst>
   <p:sldSz cx="12192000" cy="6858000"/>
   <p:notesSz cx="6858000" cy="9144000"/>
@@ -106,7 +109,662 @@
       </a:defRPr>
     </a:lvl9pPr>
   </p:defaultTextStyle>
+  <p:extLst>
+    <p:ext uri="{EFAFB233-063F-42B5-8137-9DF3F51BA10A}">
+      <p15:sldGuideLst xmlns:p15="http://schemas.microsoft.com/office/powerpoint/2012/main"/>
+    </p:ext>
+  </p:extLst>
 </p:presentation>
+</file>
+
+<file path=ppt/revisionInfo.xml><?xml version="1.0" encoding="utf-8"?>
+<p1510:revInfo xmlns:a="http://schemas.openxmlformats.org/drawingml/2006/main" xmlns:r="http://schemas.openxmlformats.org/officeDocument/2006/relationships" xmlns:p1510="http://schemas.microsoft.com/office/powerpoint/2015/10/main">
+  <p1510:revLst>
+    <p1510:client id="{758B2237-65D5-43A4-B1E5-EE942E8F25AB}" v="56" dt="2024-11-08T03:06:56.163"/>
+  </p1510:revLst>
+</p1510:revInfo>
+</file>
+
+<file path=ppt/changesInfos/changesInfo1.xml><?xml version="1.0" encoding="utf-8"?>
+<pc:chgInfo xmlns:a="http://schemas.openxmlformats.org/drawingml/2006/main" xmlns:r="http://schemas.openxmlformats.org/officeDocument/2006/relationships" xmlns:ac="http://schemas.microsoft.com/office/drawing/2013/main/command" xmlns:pc="http://schemas.microsoft.com/office/powerpoint/2013/main/command">
+  <pc:docChgLst>
+    <pc:chgData name="Yong Vuthivathnakk" userId="465e2e75-8566-46c1-b6fd-63a4f9543fa8" providerId="ADAL" clId="{758B2237-65D5-43A4-B1E5-EE942E8F25AB}"/>
+    <pc:docChg chg="undo custSel addSld modSld">
+      <pc:chgData name="Yong Vuthivathnakk" userId="465e2e75-8566-46c1-b6fd-63a4f9543fa8" providerId="ADAL" clId="{758B2237-65D5-43A4-B1E5-EE942E8F25AB}" dt="2024-11-08T03:07:04.747" v="766" actId="20577"/>
+      <pc:docMkLst>
+        <pc:docMk/>
+      </pc:docMkLst>
+      <pc:sldChg chg="addSp delSp modSp mod">
+        <pc:chgData name="Yong Vuthivathnakk" userId="465e2e75-8566-46c1-b6fd-63a4f9543fa8" providerId="ADAL" clId="{758B2237-65D5-43A4-B1E5-EE942E8F25AB}" dt="2024-11-07T10:03:45.755" v="132" actId="20577"/>
+        <pc:sldMkLst>
+          <pc:docMk/>
+          <pc:sldMk cId="535099321" sldId="257"/>
+        </pc:sldMkLst>
+        <pc:spChg chg="add mod">
+          <ac:chgData name="Yong Vuthivathnakk" userId="465e2e75-8566-46c1-b6fd-63a4f9543fa8" providerId="ADAL" clId="{758B2237-65D5-43A4-B1E5-EE942E8F25AB}" dt="2024-11-07T09:59:09.700" v="8" actId="693"/>
+          <ac:spMkLst>
+            <pc:docMk/>
+            <pc:sldMk cId="535099321" sldId="257"/>
+            <ac:spMk id="3" creationId="{B088D7FC-4C5C-9F98-73B7-B6D2F0C639BA}"/>
+          </ac:spMkLst>
+        </pc:spChg>
+        <pc:spChg chg="add mod">
+          <ac:chgData name="Yong Vuthivathnakk" userId="465e2e75-8566-46c1-b6fd-63a4f9543fa8" providerId="ADAL" clId="{758B2237-65D5-43A4-B1E5-EE942E8F25AB}" dt="2024-11-07T10:00:29.333" v="21" actId="207"/>
+          <ac:spMkLst>
+            <pc:docMk/>
+            <pc:sldMk cId="535099321" sldId="257"/>
+            <ac:spMk id="4" creationId="{30F84C5D-4EF1-4244-4466-E16203E1C10E}"/>
+          </ac:spMkLst>
+        </pc:spChg>
+        <pc:spChg chg="add del">
+          <ac:chgData name="Yong Vuthivathnakk" userId="465e2e75-8566-46c1-b6fd-63a4f9543fa8" providerId="ADAL" clId="{758B2237-65D5-43A4-B1E5-EE942E8F25AB}" dt="2024-11-07T10:00:08.645" v="15" actId="11529"/>
+          <ac:spMkLst>
+            <pc:docMk/>
+            <pc:sldMk cId="535099321" sldId="257"/>
+            <ac:spMk id="5" creationId="{872CDB82-19FC-D3B7-0998-973828D00B59}"/>
+          </ac:spMkLst>
+        </pc:spChg>
+        <pc:spChg chg="add del mod">
+          <ac:chgData name="Yong Vuthivathnakk" userId="465e2e75-8566-46c1-b6fd-63a4f9543fa8" providerId="ADAL" clId="{758B2237-65D5-43A4-B1E5-EE942E8F25AB}" dt="2024-11-07T10:01:06.314" v="25"/>
+          <ac:spMkLst>
+            <pc:docMk/>
+            <pc:sldMk cId="535099321" sldId="257"/>
+            <ac:spMk id="6" creationId="{F2B8C215-D9EE-4CAE-7804-0A4647EAA624}"/>
+          </ac:spMkLst>
+        </pc:spChg>
+        <pc:spChg chg="add mod">
+          <ac:chgData name="Yong Vuthivathnakk" userId="465e2e75-8566-46c1-b6fd-63a4f9543fa8" providerId="ADAL" clId="{758B2237-65D5-43A4-B1E5-EE942E8F25AB}" dt="2024-11-07T10:01:09.964" v="38" actId="20577"/>
+          <ac:spMkLst>
+            <pc:docMk/>
+            <pc:sldMk cId="535099321" sldId="257"/>
+            <ac:spMk id="7" creationId="{81550B8D-C4D7-6F5D-71FE-D0A2B0B916A4}"/>
+          </ac:spMkLst>
+        </pc:spChg>
+        <pc:spChg chg="add mod">
+          <ac:chgData name="Yong Vuthivathnakk" userId="465e2e75-8566-46c1-b6fd-63a4f9543fa8" providerId="ADAL" clId="{758B2237-65D5-43A4-B1E5-EE942E8F25AB}" dt="2024-11-07T10:01:39.784" v="60" actId="20577"/>
+          <ac:spMkLst>
+            <pc:docMk/>
+            <pc:sldMk cId="535099321" sldId="257"/>
+            <ac:spMk id="8" creationId="{38D3FCBF-8031-1E81-A181-55ABDEA626FA}"/>
+          </ac:spMkLst>
+        </pc:spChg>
+        <pc:spChg chg="add mod">
+          <ac:chgData name="Yong Vuthivathnakk" userId="465e2e75-8566-46c1-b6fd-63a4f9543fa8" providerId="ADAL" clId="{758B2237-65D5-43A4-B1E5-EE942E8F25AB}" dt="2024-11-07T10:03:45.755" v="132" actId="20577"/>
+          <ac:spMkLst>
+            <pc:docMk/>
+            <pc:sldMk cId="535099321" sldId="257"/>
+            <ac:spMk id="9" creationId="{FBC9577E-D79E-ED1B-B610-A54310ED43AC}"/>
+          </ac:spMkLst>
+        </pc:spChg>
+        <pc:spChg chg="add mod">
+          <ac:chgData name="Yong Vuthivathnakk" userId="465e2e75-8566-46c1-b6fd-63a4f9543fa8" providerId="ADAL" clId="{758B2237-65D5-43A4-B1E5-EE942E8F25AB}" dt="2024-11-07T10:03:15.581" v="108" actId="20577"/>
+          <ac:spMkLst>
+            <pc:docMk/>
+            <pc:sldMk cId="535099321" sldId="257"/>
+            <ac:spMk id="10" creationId="{28DD9CBF-58B6-1E2C-9450-2849A15B6AAD}"/>
+          </ac:spMkLst>
+        </pc:spChg>
+        <pc:spChg chg="add mod">
+          <ac:chgData name="Yong Vuthivathnakk" userId="465e2e75-8566-46c1-b6fd-63a4f9543fa8" providerId="ADAL" clId="{758B2237-65D5-43A4-B1E5-EE942E8F25AB}" dt="2024-11-07T10:02:19.071" v="66"/>
+          <ac:spMkLst>
+            <pc:docMk/>
+            <pc:sldMk cId="535099321" sldId="257"/>
+            <ac:spMk id="11" creationId="{E32A311B-BBEE-1E1C-BE0D-F3D23F0919A3}"/>
+          </ac:spMkLst>
+        </pc:spChg>
+        <pc:spChg chg="add del mod">
+          <ac:chgData name="Yong Vuthivathnakk" userId="465e2e75-8566-46c1-b6fd-63a4f9543fa8" providerId="ADAL" clId="{758B2237-65D5-43A4-B1E5-EE942E8F25AB}" dt="2024-11-07T10:02:32.824" v="71" actId="478"/>
+          <ac:spMkLst>
+            <pc:docMk/>
+            <pc:sldMk cId="535099321" sldId="257"/>
+            <ac:spMk id="12" creationId="{13BCB345-9016-8813-58FE-62057357DFC6}"/>
+          </ac:spMkLst>
+        </pc:spChg>
+        <pc:picChg chg="add mod">
+          <ac:chgData name="Yong Vuthivathnakk" userId="465e2e75-8566-46c1-b6fd-63a4f9543fa8" providerId="ADAL" clId="{758B2237-65D5-43A4-B1E5-EE942E8F25AB}" dt="2024-11-07T09:58:20.188" v="4"/>
+          <ac:picMkLst>
+            <pc:docMk/>
+            <pc:sldMk cId="535099321" sldId="257"/>
+            <ac:picMk id="2" creationId="{84921B3F-B6CB-C0AA-5A12-44FF00D763A5}"/>
+          </ac:picMkLst>
+        </pc:picChg>
+      </pc:sldChg>
+      <pc:sldChg chg="addSp delSp modSp new mod">
+        <pc:chgData name="Yong Vuthivathnakk" userId="465e2e75-8566-46c1-b6fd-63a4f9543fa8" providerId="ADAL" clId="{758B2237-65D5-43A4-B1E5-EE942E8F25AB}" dt="2024-11-08T02:46:52.530" v="410" actId="20577"/>
+        <pc:sldMkLst>
+          <pc:docMk/>
+          <pc:sldMk cId="1229979543" sldId="259"/>
+        </pc:sldMkLst>
+        <pc:spChg chg="del">
+          <ac:chgData name="Yong Vuthivathnakk" userId="465e2e75-8566-46c1-b6fd-63a4f9543fa8" providerId="ADAL" clId="{758B2237-65D5-43A4-B1E5-EE942E8F25AB}" dt="2024-11-07T10:04:14.145" v="134" actId="478"/>
+          <ac:spMkLst>
+            <pc:docMk/>
+            <pc:sldMk cId="1229979543" sldId="259"/>
+            <ac:spMk id="2" creationId="{0AE1E22E-9BAD-5E5A-7F85-C571FE2C6052}"/>
+          </ac:spMkLst>
+        </pc:spChg>
+        <pc:spChg chg="add mod">
+          <ac:chgData name="Yong Vuthivathnakk" userId="465e2e75-8566-46c1-b6fd-63a4f9543fa8" providerId="ADAL" clId="{758B2237-65D5-43A4-B1E5-EE942E8F25AB}" dt="2024-11-08T02:43:28.451" v="319"/>
+          <ac:spMkLst>
+            <pc:docMk/>
+            <pc:sldMk cId="1229979543" sldId="259"/>
+            <ac:spMk id="2" creationId="{F431D41B-0914-45F6-5BDC-CD3AB1417823}"/>
+          </ac:spMkLst>
+        </pc:spChg>
+        <pc:spChg chg="del">
+          <ac:chgData name="Yong Vuthivathnakk" userId="465e2e75-8566-46c1-b6fd-63a4f9543fa8" providerId="ADAL" clId="{758B2237-65D5-43A4-B1E5-EE942E8F25AB}" dt="2024-11-07T10:04:15.808" v="135" actId="478"/>
+          <ac:spMkLst>
+            <pc:docMk/>
+            <pc:sldMk cId="1229979543" sldId="259"/>
+            <ac:spMk id="3" creationId="{1D828234-9F6B-18F6-73ED-FF8B22D2B92C}"/>
+          </ac:spMkLst>
+        </pc:spChg>
+        <pc:spChg chg="add mod">
+          <ac:chgData name="Yong Vuthivathnakk" userId="465e2e75-8566-46c1-b6fd-63a4f9543fa8" providerId="ADAL" clId="{758B2237-65D5-43A4-B1E5-EE942E8F25AB}" dt="2024-11-08T02:46:39.330" v="392"/>
+          <ac:spMkLst>
+            <pc:docMk/>
+            <pc:sldMk cId="1229979543" sldId="259"/>
+            <ac:spMk id="3" creationId="{E1BB4A0B-2F27-E103-6226-ADA241182B66}"/>
+          </ac:spMkLst>
+        </pc:spChg>
+        <pc:spChg chg="add del mod">
+          <ac:chgData name="Yong Vuthivathnakk" userId="465e2e75-8566-46c1-b6fd-63a4f9543fa8" providerId="ADAL" clId="{758B2237-65D5-43A4-B1E5-EE942E8F25AB}" dt="2024-11-08T02:46:44.566" v="393" actId="478"/>
+          <ac:spMkLst>
+            <pc:docMk/>
+            <pc:sldMk cId="1229979543" sldId="259"/>
+            <ac:spMk id="5" creationId="{84D0F89D-4434-0CD4-0D32-EF3EAFBDA49B}"/>
+          </ac:spMkLst>
+        </pc:spChg>
+        <pc:spChg chg="add mod">
+          <ac:chgData name="Yong Vuthivathnakk" userId="465e2e75-8566-46c1-b6fd-63a4f9543fa8" providerId="ADAL" clId="{758B2237-65D5-43A4-B1E5-EE942E8F25AB}" dt="2024-11-07T10:07:28.508" v="166" actId="693"/>
+          <ac:spMkLst>
+            <pc:docMk/>
+            <pc:sldMk cId="1229979543" sldId="259"/>
+            <ac:spMk id="6" creationId="{08305F3B-4F33-686E-D338-301FD752BD53}"/>
+          </ac:spMkLst>
+        </pc:spChg>
+        <pc:spChg chg="add mod">
+          <ac:chgData name="Yong Vuthivathnakk" userId="465e2e75-8566-46c1-b6fd-63a4f9543fa8" providerId="ADAL" clId="{758B2237-65D5-43A4-B1E5-EE942E8F25AB}" dt="2024-11-07T10:07:44.501" v="169" actId="14100"/>
+          <ac:spMkLst>
+            <pc:docMk/>
+            <pc:sldMk cId="1229979543" sldId="259"/>
+            <ac:spMk id="7" creationId="{700705DF-0D86-6C7B-D1E8-BDDBA1606EE0}"/>
+          </ac:spMkLst>
+        </pc:spChg>
+        <pc:spChg chg="add mod">
+          <ac:chgData name="Yong Vuthivathnakk" userId="465e2e75-8566-46c1-b6fd-63a4f9543fa8" providerId="ADAL" clId="{758B2237-65D5-43A4-B1E5-EE942E8F25AB}" dt="2024-11-07T10:07:51.456" v="172" actId="14100"/>
+          <ac:spMkLst>
+            <pc:docMk/>
+            <pc:sldMk cId="1229979543" sldId="259"/>
+            <ac:spMk id="8" creationId="{E857C0A1-C3E3-A79A-8F12-953F812AD73A}"/>
+          </ac:spMkLst>
+        </pc:spChg>
+        <pc:spChg chg="add mod">
+          <ac:chgData name="Yong Vuthivathnakk" userId="465e2e75-8566-46c1-b6fd-63a4f9543fa8" providerId="ADAL" clId="{758B2237-65D5-43A4-B1E5-EE942E8F25AB}" dt="2024-11-07T10:08:06.190" v="174" actId="1076"/>
+          <ac:spMkLst>
+            <pc:docMk/>
+            <pc:sldMk cId="1229979543" sldId="259"/>
+            <ac:spMk id="9" creationId="{5278D60A-BA4C-A8F7-F0F0-0D85C7B29B45}"/>
+          </ac:spMkLst>
+        </pc:spChg>
+        <pc:spChg chg="add mod">
+          <ac:chgData name="Yong Vuthivathnakk" userId="465e2e75-8566-46c1-b6fd-63a4f9543fa8" providerId="ADAL" clId="{758B2237-65D5-43A4-B1E5-EE942E8F25AB}" dt="2024-11-07T10:09:00.527" v="194" actId="20577"/>
+          <ac:spMkLst>
+            <pc:docMk/>
+            <pc:sldMk cId="1229979543" sldId="259"/>
+            <ac:spMk id="10" creationId="{8F933019-944D-F090-9520-AD597C53E908}"/>
+          </ac:spMkLst>
+        </pc:spChg>
+        <pc:spChg chg="add mod">
+          <ac:chgData name="Yong Vuthivathnakk" userId="465e2e75-8566-46c1-b6fd-63a4f9543fa8" providerId="ADAL" clId="{758B2237-65D5-43A4-B1E5-EE942E8F25AB}" dt="2024-11-07T10:09:15.348" v="232" actId="20577"/>
+          <ac:spMkLst>
+            <pc:docMk/>
+            <pc:sldMk cId="1229979543" sldId="259"/>
+            <ac:spMk id="11" creationId="{48D96D3B-C8A2-D042-EB88-4950F14C7258}"/>
+          </ac:spMkLst>
+        </pc:spChg>
+        <pc:spChg chg="add mod">
+          <ac:chgData name="Yong Vuthivathnakk" userId="465e2e75-8566-46c1-b6fd-63a4f9543fa8" providerId="ADAL" clId="{758B2237-65D5-43A4-B1E5-EE942E8F25AB}" dt="2024-11-07T10:09:19.679" v="243" actId="20577"/>
+          <ac:spMkLst>
+            <pc:docMk/>
+            <pc:sldMk cId="1229979543" sldId="259"/>
+            <ac:spMk id="12" creationId="{99B8753F-F3B0-BF74-99D9-A0C95B3F46A2}"/>
+          </ac:spMkLst>
+        </pc:spChg>
+        <pc:spChg chg="add mod">
+          <ac:chgData name="Yong Vuthivathnakk" userId="465e2e75-8566-46c1-b6fd-63a4f9543fa8" providerId="ADAL" clId="{758B2237-65D5-43A4-B1E5-EE942E8F25AB}" dt="2024-11-07T10:11:13.768" v="269" actId="1076"/>
+          <ac:spMkLst>
+            <pc:docMk/>
+            <pc:sldMk cId="1229979543" sldId="259"/>
+            <ac:spMk id="13" creationId="{22CE81EB-6F47-7629-B447-2A0D04A899F9}"/>
+          </ac:spMkLst>
+        </pc:spChg>
+        <pc:spChg chg="add mod">
+          <ac:chgData name="Yong Vuthivathnakk" userId="465e2e75-8566-46c1-b6fd-63a4f9543fa8" providerId="ADAL" clId="{758B2237-65D5-43A4-B1E5-EE942E8F25AB}" dt="2024-11-08T02:46:52.530" v="410" actId="20577"/>
+          <ac:spMkLst>
+            <pc:docMk/>
+            <pc:sldMk cId="1229979543" sldId="259"/>
+            <ac:spMk id="14" creationId="{8930567F-1A3E-863E-E483-B674A678A131}"/>
+          </ac:spMkLst>
+        </pc:spChg>
+        <pc:picChg chg="add mod modCrop">
+          <ac:chgData name="Yong Vuthivathnakk" userId="465e2e75-8566-46c1-b6fd-63a4f9543fa8" providerId="ADAL" clId="{758B2237-65D5-43A4-B1E5-EE942E8F25AB}" dt="2024-11-07T10:06:51.724" v="148" actId="1076"/>
+          <ac:picMkLst>
+            <pc:docMk/>
+            <pc:sldMk cId="1229979543" sldId="259"/>
+            <ac:picMk id="4" creationId="{40255188-BE55-4056-4CD9-FBCA7D00DEF5}"/>
+          </ac:picMkLst>
+        </pc:picChg>
+      </pc:sldChg>
+      <pc:sldChg chg="addSp delSp modSp add mod">
+        <pc:chgData name="Yong Vuthivathnakk" userId="465e2e75-8566-46c1-b6fd-63a4f9543fa8" providerId="ADAL" clId="{758B2237-65D5-43A4-B1E5-EE942E8F25AB}" dt="2024-11-08T02:51:08.007" v="484" actId="20577"/>
+        <pc:sldMkLst>
+          <pc:docMk/>
+          <pc:sldMk cId="2266244214" sldId="260"/>
+        </pc:sldMkLst>
+        <pc:spChg chg="del">
+          <ac:chgData name="Yong Vuthivathnakk" userId="465e2e75-8566-46c1-b6fd-63a4f9543fa8" providerId="ADAL" clId="{758B2237-65D5-43A4-B1E5-EE942E8F25AB}" dt="2024-11-08T02:39:09.053" v="271" actId="478"/>
+          <ac:spMkLst>
+            <pc:docMk/>
+            <pc:sldMk cId="2266244214" sldId="260"/>
+            <ac:spMk id="5" creationId="{A43D11CB-5CE4-B940-854D-78CF493D6EDA}"/>
+          </ac:spMkLst>
+        </pc:spChg>
+        <pc:spChg chg="del mod">
+          <ac:chgData name="Yong Vuthivathnakk" userId="465e2e75-8566-46c1-b6fd-63a4f9543fa8" providerId="ADAL" clId="{758B2237-65D5-43A4-B1E5-EE942E8F25AB}" dt="2024-11-08T02:42:20.686" v="299" actId="478"/>
+          <ac:spMkLst>
+            <pc:docMk/>
+            <pc:sldMk cId="2266244214" sldId="260"/>
+            <ac:spMk id="6" creationId="{D3AB3F0C-F89A-1E08-4A8B-25446B3B193B}"/>
+          </ac:spMkLst>
+        </pc:spChg>
+        <pc:spChg chg="mod">
+          <ac:chgData name="Yong Vuthivathnakk" userId="465e2e75-8566-46c1-b6fd-63a4f9543fa8" providerId="ADAL" clId="{758B2237-65D5-43A4-B1E5-EE942E8F25AB}" dt="2024-11-08T02:44:02.137" v="332" actId="14100"/>
+          <ac:spMkLst>
+            <pc:docMk/>
+            <pc:sldMk cId="2266244214" sldId="260"/>
+            <ac:spMk id="7" creationId="{3530F339-91E3-EB7C-5E9B-DA6853990DDC}"/>
+          </ac:spMkLst>
+        </pc:spChg>
+        <pc:spChg chg="del">
+          <ac:chgData name="Yong Vuthivathnakk" userId="465e2e75-8566-46c1-b6fd-63a4f9543fa8" providerId="ADAL" clId="{758B2237-65D5-43A4-B1E5-EE942E8F25AB}" dt="2024-11-08T02:39:09.053" v="271" actId="478"/>
+          <ac:spMkLst>
+            <pc:docMk/>
+            <pc:sldMk cId="2266244214" sldId="260"/>
+            <ac:spMk id="8" creationId="{E1A757A2-6624-6F4C-5264-26A1DF921032}"/>
+          </ac:spMkLst>
+        </pc:spChg>
+        <pc:spChg chg="del">
+          <ac:chgData name="Yong Vuthivathnakk" userId="465e2e75-8566-46c1-b6fd-63a4f9543fa8" providerId="ADAL" clId="{758B2237-65D5-43A4-B1E5-EE942E8F25AB}" dt="2024-11-08T02:39:17.621" v="273" actId="478"/>
+          <ac:spMkLst>
+            <pc:docMk/>
+            <pc:sldMk cId="2266244214" sldId="260"/>
+            <ac:spMk id="9" creationId="{AEAA501F-600F-9B1E-F2B4-F06C3BE2DDF9}"/>
+          </ac:spMkLst>
+        </pc:spChg>
+        <pc:spChg chg="del">
+          <ac:chgData name="Yong Vuthivathnakk" userId="465e2e75-8566-46c1-b6fd-63a4f9543fa8" providerId="ADAL" clId="{758B2237-65D5-43A4-B1E5-EE942E8F25AB}" dt="2024-11-08T02:39:23.810" v="276" actId="478"/>
+          <ac:spMkLst>
+            <pc:docMk/>
+            <pc:sldMk cId="2266244214" sldId="260"/>
+            <ac:spMk id="10" creationId="{6DB2E872-9C8B-724F-A76A-A9080494ADEC}"/>
+          </ac:spMkLst>
+        </pc:spChg>
+        <pc:spChg chg="del mod">
+          <ac:chgData name="Yong Vuthivathnakk" userId="465e2e75-8566-46c1-b6fd-63a4f9543fa8" providerId="ADAL" clId="{758B2237-65D5-43A4-B1E5-EE942E8F25AB}" dt="2024-11-08T02:39:21.782" v="275" actId="478"/>
+          <ac:spMkLst>
+            <pc:docMk/>
+            <pc:sldMk cId="2266244214" sldId="260"/>
+            <ac:spMk id="11" creationId="{433D7074-CD25-7DB1-2B6C-D456DA310492}"/>
+          </ac:spMkLst>
+        </pc:spChg>
+        <pc:spChg chg="del">
+          <ac:chgData name="Yong Vuthivathnakk" userId="465e2e75-8566-46c1-b6fd-63a4f9543fa8" providerId="ADAL" clId="{758B2237-65D5-43A4-B1E5-EE942E8F25AB}" dt="2024-11-08T02:39:09.053" v="271" actId="478"/>
+          <ac:spMkLst>
+            <pc:docMk/>
+            <pc:sldMk cId="2266244214" sldId="260"/>
+            <ac:spMk id="12" creationId="{75437C98-70BE-D225-56CF-6233E395E5DB}"/>
+          </ac:spMkLst>
+        </pc:spChg>
+        <pc:spChg chg="del">
+          <ac:chgData name="Yong Vuthivathnakk" userId="465e2e75-8566-46c1-b6fd-63a4f9543fa8" providerId="ADAL" clId="{758B2237-65D5-43A4-B1E5-EE942E8F25AB}" dt="2024-11-08T02:39:27.881" v="277" actId="478"/>
+          <ac:spMkLst>
+            <pc:docMk/>
+            <pc:sldMk cId="2266244214" sldId="260"/>
+            <ac:spMk id="13" creationId="{8FEE2399-A40B-78D9-6D22-6B3150F21DC5}"/>
+          </ac:spMkLst>
+        </pc:spChg>
+        <pc:spChg chg="add mod">
+          <ac:chgData name="Yong Vuthivathnakk" userId="465e2e75-8566-46c1-b6fd-63a4f9543fa8" providerId="ADAL" clId="{758B2237-65D5-43A4-B1E5-EE942E8F25AB}" dt="2024-11-08T02:44:13.739" v="337" actId="14100"/>
+          <ac:spMkLst>
+            <pc:docMk/>
+            <pc:sldMk cId="2266244214" sldId="260"/>
+            <ac:spMk id="14" creationId="{D85E97FB-CCB8-6A00-7E33-5ED30F9EF2C1}"/>
+          </ac:spMkLst>
+        </pc:spChg>
+        <pc:spChg chg="add mod">
+          <ac:chgData name="Yong Vuthivathnakk" userId="465e2e75-8566-46c1-b6fd-63a4f9543fa8" providerId="ADAL" clId="{758B2237-65D5-43A4-B1E5-EE942E8F25AB}" dt="2024-11-08T02:46:32.509" v="391" actId="1076"/>
+          <ac:spMkLst>
+            <pc:docMk/>
+            <pc:sldMk cId="2266244214" sldId="260"/>
+            <ac:spMk id="15" creationId="{78664C03-5266-7D8E-866C-6311DA50283B}"/>
+          </ac:spMkLst>
+        </pc:spChg>
+        <pc:spChg chg="add mod">
+          <ac:chgData name="Yong Vuthivathnakk" userId="465e2e75-8566-46c1-b6fd-63a4f9543fa8" providerId="ADAL" clId="{758B2237-65D5-43A4-B1E5-EE942E8F25AB}" dt="2024-11-08T02:51:08.007" v="484" actId="20577"/>
+          <ac:spMkLst>
+            <pc:docMk/>
+            <pc:sldMk cId="2266244214" sldId="260"/>
+            <ac:spMk id="16" creationId="{9E8B8FBD-CFA4-893B-DFA8-E9767DFD48D7}"/>
+          </ac:spMkLst>
+        </pc:spChg>
+        <pc:spChg chg="add mod">
+          <ac:chgData name="Yong Vuthivathnakk" userId="465e2e75-8566-46c1-b6fd-63a4f9543fa8" providerId="ADAL" clId="{758B2237-65D5-43A4-B1E5-EE942E8F25AB}" dt="2024-11-08T02:50:47.316" v="474" actId="20577"/>
+          <ac:spMkLst>
+            <pc:docMk/>
+            <pc:sldMk cId="2266244214" sldId="260"/>
+            <ac:spMk id="17" creationId="{21483D49-7F58-1E77-7208-39F5D0F99E4E}"/>
+          </ac:spMkLst>
+        </pc:spChg>
+        <pc:picChg chg="add mod ord modCrop">
+          <ac:chgData name="Yong Vuthivathnakk" userId="465e2e75-8566-46c1-b6fd-63a4f9543fa8" providerId="ADAL" clId="{758B2237-65D5-43A4-B1E5-EE942E8F25AB}" dt="2024-11-08T02:43:52.138" v="329" actId="1076"/>
+          <ac:picMkLst>
+            <pc:docMk/>
+            <pc:sldMk cId="2266244214" sldId="260"/>
+            <ac:picMk id="2" creationId="{DDC598B7-5C5B-8606-34E8-1D9B89AD4256}"/>
+          </ac:picMkLst>
+        </pc:picChg>
+        <pc:picChg chg="add mod">
+          <ac:chgData name="Yong Vuthivathnakk" userId="465e2e75-8566-46c1-b6fd-63a4f9543fa8" providerId="ADAL" clId="{758B2237-65D5-43A4-B1E5-EE942E8F25AB}" dt="2024-11-08T02:42:27.388" v="301"/>
+          <ac:picMkLst>
+            <pc:docMk/>
+            <pc:sldMk cId="2266244214" sldId="260"/>
+            <ac:picMk id="3" creationId="{7BC3E0B2-9D66-9CF3-4448-E315476F4D1E}"/>
+          </ac:picMkLst>
+        </pc:picChg>
+        <pc:picChg chg="del">
+          <ac:chgData name="Yong Vuthivathnakk" userId="465e2e75-8566-46c1-b6fd-63a4f9543fa8" providerId="ADAL" clId="{758B2237-65D5-43A4-B1E5-EE942E8F25AB}" dt="2024-11-08T02:39:10.292" v="272" actId="478"/>
+          <ac:picMkLst>
+            <pc:docMk/>
+            <pc:sldMk cId="2266244214" sldId="260"/>
+            <ac:picMk id="4" creationId="{4A348EF9-7F2B-52A1-45D2-5DD7605EF938}"/>
+          </ac:picMkLst>
+        </pc:picChg>
+      </pc:sldChg>
+      <pc:sldChg chg="addSp delSp modSp new mod">
+        <pc:chgData name="Yong Vuthivathnakk" userId="465e2e75-8566-46c1-b6fd-63a4f9543fa8" providerId="ADAL" clId="{758B2237-65D5-43A4-B1E5-EE942E8F25AB}" dt="2024-11-08T03:07:04.747" v="766" actId="20577"/>
+        <pc:sldMkLst>
+          <pc:docMk/>
+          <pc:sldMk cId="3615565354" sldId="261"/>
+        </pc:sldMkLst>
+        <pc:spChg chg="del">
+          <ac:chgData name="Yong Vuthivathnakk" userId="465e2e75-8566-46c1-b6fd-63a4f9543fa8" providerId="ADAL" clId="{758B2237-65D5-43A4-B1E5-EE942E8F25AB}" dt="2024-11-08T02:47:21.289" v="413" actId="478"/>
+          <ac:spMkLst>
+            <pc:docMk/>
+            <pc:sldMk cId="3615565354" sldId="261"/>
+            <ac:spMk id="2" creationId="{7D544C0C-F60F-2926-6B79-C3E03A9918A1}"/>
+          </ac:spMkLst>
+        </pc:spChg>
+        <pc:spChg chg="del">
+          <ac:chgData name="Yong Vuthivathnakk" userId="465e2e75-8566-46c1-b6fd-63a4f9543fa8" providerId="ADAL" clId="{758B2237-65D5-43A4-B1E5-EE942E8F25AB}" dt="2024-11-08T02:47:25.100" v="414" actId="478"/>
+          <ac:spMkLst>
+            <pc:docMk/>
+            <pc:sldMk cId="3615565354" sldId="261"/>
+            <ac:spMk id="3" creationId="{E107C87C-12D3-A84B-1C5B-6A9532B94D5A}"/>
+          </ac:spMkLst>
+        </pc:spChg>
+        <pc:spChg chg="add mod">
+          <ac:chgData name="Yong Vuthivathnakk" userId="465e2e75-8566-46c1-b6fd-63a4f9543fa8" providerId="ADAL" clId="{758B2237-65D5-43A4-B1E5-EE942E8F25AB}" dt="2024-11-08T02:48:28.096" v="425" actId="14100"/>
+          <ac:spMkLst>
+            <pc:docMk/>
+            <pc:sldMk cId="3615565354" sldId="261"/>
+            <ac:spMk id="5" creationId="{DAB95604-4F6C-D0B8-4C45-C47EBC20242F}"/>
+          </ac:spMkLst>
+        </pc:spChg>
+        <pc:spChg chg="add mod">
+          <ac:chgData name="Yong Vuthivathnakk" userId="465e2e75-8566-46c1-b6fd-63a4f9543fa8" providerId="ADAL" clId="{758B2237-65D5-43A4-B1E5-EE942E8F25AB}" dt="2024-11-08T02:48:48.054" v="432" actId="1076"/>
+          <ac:spMkLst>
+            <pc:docMk/>
+            <pc:sldMk cId="3615565354" sldId="261"/>
+            <ac:spMk id="6" creationId="{5E93F39E-6BB4-F77A-4938-88598226AD33}"/>
+          </ac:spMkLst>
+        </pc:spChg>
+        <pc:spChg chg="add mod">
+          <ac:chgData name="Yong Vuthivathnakk" userId="465e2e75-8566-46c1-b6fd-63a4f9543fa8" providerId="ADAL" clId="{758B2237-65D5-43A4-B1E5-EE942E8F25AB}" dt="2024-11-08T02:49:05.154" v="440" actId="1076"/>
+          <ac:spMkLst>
+            <pc:docMk/>
+            <pc:sldMk cId="3615565354" sldId="261"/>
+            <ac:spMk id="7" creationId="{69C6F27F-10E2-C19A-012B-AA22224DB850}"/>
+          </ac:spMkLst>
+        </pc:spChg>
+        <pc:spChg chg="add mod">
+          <ac:chgData name="Yong Vuthivathnakk" userId="465e2e75-8566-46c1-b6fd-63a4f9543fa8" providerId="ADAL" clId="{758B2237-65D5-43A4-B1E5-EE942E8F25AB}" dt="2024-11-08T02:49:04.196" v="439" actId="1076"/>
+          <ac:spMkLst>
+            <pc:docMk/>
+            <pc:sldMk cId="3615565354" sldId="261"/>
+            <ac:spMk id="8" creationId="{9965BCE6-EE44-CDBB-9375-1BBAE2006E3E}"/>
+          </ac:spMkLst>
+        </pc:spChg>
+        <pc:spChg chg="add mod">
+          <ac:chgData name="Yong Vuthivathnakk" userId="465e2e75-8566-46c1-b6fd-63a4f9543fa8" providerId="ADAL" clId="{758B2237-65D5-43A4-B1E5-EE942E8F25AB}" dt="2024-11-08T02:49:13.737" v="443" actId="14100"/>
+          <ac:spMkLst>
+            <pc:docMk/>
+            <pc:sldMk cId="3615565354" sldId="261"/>
+            <ac:spMk id="9" creationId="{37CBF1CE-A7FD-E446-8561-75942AD757A7}"/>
+          </ac:spMkLst>
+        </pc:spChg>
+        <pc:spChg chg="add mod">
+          <ac:chgData name="Yong Vuthivathnakk" userId="465e2e75-8566-46c1-b6fd-63a4f9543fa8" providerId="ADAL" clId="{758B2237-65D5-43A4-B1E5-EE942E8F25AB}" dt="2024-11-08T02:49:36.989" v="446" actId="14100"/>
+          <ac:spMkLst>
+            <pc:docMk/>
+            <pc:sldMk cId="3615565354" sldId="261"/>
+            <ac:spMk id="10" creationId="{7448BAD2-6644-A9AE-7E3D-DF528B7896A9}"/>
+          </ac:spMkLst>
+        </pc:spChg>
+        <pc:spChg chg="add mod">
+          <ac:chgData name="Yong Vuthivathnakk" userId="465e2e75-8566-46c1-b6fd-63a4f9543fa8" providerId="ADAL" clId="{758B2237-65D5-43A4-B1E5-EE942E8F25AB}" dt="2024-11-08T02:49:46.231" v="448" actId="1076"/>
+          <ac:spMkLst>
+            <pc:docMk/>
+            <pc:sldMk cId="3615565354" sldId="261"/>
+            <ac:spMk id="11" creationId="{8D39D4A8-7620-009E-69F9-8511925E8164}"/>
+          </ac:spMkLst>
+        </pc:spChg>
+        <pc:spChg chg="add mod">
+          <ac:chgData name="Yong Vuthivathnakk" userId="465e2e75-8566-46c1-b6fd-63a4f9543fa8" providerId="ADAL" clId="{758B2237-65D5-43A4-B1E5-EE942E8F25AB}" dt="2024-11-08T02:49:53.995" v="450" actId="1076"/>
+          <ac:spMkLst>
+            <pc:docMk/>
+            <pc:sldMk cId="3615565354" sldId="261"/>
+            <ac:spMk id="12" creationId="{F3E2551B-4724-EA90-5499-F43E3A251BA4}"/>
+          </ac:spMkLst>
+        </pc:spChg>
+        <pc:spChg chg="add mod">
+          <ac:chgData name="Yong Vuthivathnakk" userId="465e2e75-8566-46c1-b6fd-63a4f9543fa8" providerId="ADAL" clId="{758B2237-65D5-43A4-B1E5-EE942E8F25AB}" dt="2024-11-08T02:50:12.684" v="456" actId="14100"/>
+          <ac:spMkLst>
+            <pc:docMk/>
+            <pc:sldMk cId="3615565354" sldId="261"/>
+            <ac:spMk id="13" creationId="{F3B93145-AF06-9468-54F7-C0D2871B169E}"/>
+          </ac:spMkLst>
+        </pc:spChg>
+        <pc:spChg chg="add mod">
+          <ac:chgData name="Yong Vuthivathnakk" userId="465e2e75-8566-46c1-b6fd-63a4f9543fa8" providerId="ADAL" clId="{758B2237-65D5-43A4-B1E5-EE942E8F25AB}" dt="2024-11-08T02:50:23.826" v="461" actId="1076"/>
+          <ac:spMkLst>
+            <pc:docMk/>
+            <pc:sldMk cId="3615565354" sldId="261"/>
+            <ac:spMk id="14" creationId="{BC52C6F1-D2FB-0E1D-53D7-0D61F785CA0D}"/>
+          </ac:spMkLst>
+        </pc:spChg>
+        <pc:spChg chg="add mod">
+          <ac:chgData name="Yong Vuthivathnakk" userId="465e2e75-8566-46c1-b6fd-63a4f9543fa8" providerId="ADAL" clId="{758B2237-65D5-43A4-B1E5-EE942E8F25AB}" dt="2024-11-08T02:50:32.479" v="464" actId="14100"/>
+          <ac:spMkLst>
+            <pc:docMk/>
+            <pc:sldMk cId="3615565354" sldId="261"/>
+            <ac:spMk id="15" creationId="{836AC93D-4FCC-32A3-8E5A-A06B4BE30730}"/>
+          </ac:spMkLst>
+        </pc:spChg>
+        <pc:spChg chg="add mod">
+          <ac:chgData name="Yong Vuthivathnakk" userId="465e2e75-8566-46c1-b6fd-63a4f9543fa8" providerId="ADAL" clId="{758B2237-65D5-43A4-B1E5-EE942E8F25AB}" dt="2024-11-08T02:51:34.469" v="493" actId="20577"/>
+          <ac:spMkLst>
+            <pc:docMk/>
+            <pc:sldMk cId="3615565354" sldId="261"/>
+            <ac:spMk id="16" creationId="{239C336A-C1AB-4B39-0832-72ECCB740AD9}"/>
+          </ac:spMkLst>
+        </pc:spChg>
+        <pc:spChg chg="add mod">
+          <ac:chgData name="Yong Vuthivathnakk" userId="465e2e75-8566-46c1-b6fd-63a4f9543fa8" providerId="ADAL" clId="{758B2237-65D5-43A4-B1E5-EE942E8F25AB}" dt="2024-11-08T02:51:57.903" v="505" actId="20577"/>
+          <ac:spMkLst>
+            <pc:docMk/>
+            <pc:sldMk cId="3615565354" sldId="261"/>
+            <ac:spMk id="17" creationId="{CC1C6117-0536-ABE0-A0B4-92F22494B3C4}"/>
+          </ac:spMkLst>
+        </pc:spChg>
+        <pc:spChg chg="add mod">
+          <ac:chgData name="Yong Vuthivathnakk" userId="465e2e75-8566-46c1-b6fd-63a4f9543fa8" providerId="ADAL" clId="{758B2237-65D5-43A4-B1E5-EE942E8F25AB}" dt="2024-11-08T02:52:44.540" v="537" actId="1076"/>
+          <ac:spMkLst>
+            <pc:docMk/>
+            <pc:sldMk cId="3615565354" sldId="261"/>
+            <ac:spMk id="18" creationId="{DFB8CD31-8506-6B69-3CB2-0DF1B2EF8CEF}"/>
+          </ac:spMkLst>
+        </pc:spChg>
+        <pc:spChg chg="add mod">
+          <ac:chgData name="Yong Vuthivathnakk" userId="465e2e75-8566-46c1-b6fd-63a4f9543fa8" providerId="ADAL" clId="{758B2237-65D5-43A4-B1E5-EE942E8F25AB}" dt="2024-11-08T02:53:12.967" v="550" actId="20577"/>
+          <ac:spMkLst>
+            <pc:docMk/>
+            <pc:sldMk cId="3615565354" sldId="261"/>
+            <ac:spMk id="19" creationId="{0C56BF5E-1A45-97F6-092D-666AB4573659}"/>
+          </ac:spMkLst>
+        </pc:spChg>
+        <pc:spChg chg="add mod">
+          <ac:chgData name="Yong Vuthivathnakk" userId="465e2e75-8566-46c1-b6fd-63a4f9543fa8" providerId="ADAL" clId="{758B2237-65D5-43A4-B1E5-EE942E8F25AB}" dt="2024-11-08T02:53:58.247" v="570" actId="20577"/>
+          <ac:spMkLst>
+            <pc:docMk/>
+            <pc:sldMk cId="3615565354" sldId="261"/>
+            <ac:spMk id="20" creationId="{4689B5DF-A6FB-38C6-13F8-503A3BDA769D}"/>
+          </ac:spMkLst>
+        </pc:spChg>
+        <pc:spChg chg="add mod">
+          <ac:chgData name="Yong Vuthivathnakk" userId="465e2e75-8566-46c1-b6fd-63a4f9543fa8" providerId="ADAL" clId="{758B2237-65D5-43A4-B1E5-EE942E8F25AB}" dt="2024-11-08T02:54:43.292" v="576" actId="14100"/>
+          <ac:spMkLst>
+            <pc:docMk/>
+            <pc:sldMk cId="3615565354" sldId="261"/>
+            <ac:spMk id="21" creationId="{986E635F-A206-F9AD-F530-FABF35707CC6}"/>
+          </ac:spMkLst>
+        </pc:spChg>
+        <pc:spChg chg="add mod">
+          <ac:chgData name="Yong Vuthivathnakk" userId="465e2e75-8566-46c1-b6fd-63a4f9543fa8" providerId="ADAL" clId="{758B2237-65D5-43A4-B1E5-EE942E8F25AB}" dt="2024-11-08T02:55:14.646" v="615" actId="20577"/>
+          <ac:spMkLst>
+            <pc:docMk/>
+            <pc:sldMk cId="3615565354" sldId="261"/>
+            <ac:spMk id="22" creationId="{8FDCB829-5241-BBEF-A350-3F6F3C9CD39F}"/>
+          </ac:spMkLst>
+        </pc:spChg>
+        <pc:spChg chg="add mod">
+          <ac:chgData name="Yong Vuthivathnakk" userId="465e2e75-8566-46c1-b6fd-63a4f9543fa8" providerId="ADAL" clId="{758B2237-65D5-43A4-B1E5-EE942E8F25AB}" dt="2024-11-08T02:56:32.074" v="656" actId="20577"/>
+          <ac:spMkLst>
+            <pc:docMk/>
+            <pc:sldMk cId="3615565354" sldId="261"/>
+            <ac:spMk id="23" creationId="{56B4F2AB-0A27-CF96-8DDA-3793F97F0A9D}"/>
+          </ac:spMkLst>
+        </pc:spChg>
+        <pc:spChg chg="add del mod">
+          <ac:chgData name="Yong Vuthivathnakk" userId="465e2e75-8566-46c1-b6fd-63a4f9543fa8" providerId="ADAL" clId="{758B2237-65D5-43A4-B1E5-EE942E8F25AB}" dt="2024-11-08T02:55:37.224" v="621" actId="478"/>
+          <ac:spMkLst>
+            <pc:docMk/>
+            <pc:sldMk cId="3615565354" sldId="261"/>
+            <ac:spMk id="24" creationId="{4948357D-C036-79FE-7948-B9924C8E63D2}"/>
+          </ac:spMkLst>
+        </pc:spChg>
+        <pc:spChg chg="add del mod">
+          <ac:chgData name="Yong Vuthivathnakk" userId="465e2e75-8566-46c1-b6fd-63a4f9543fa8" providerId="ADAL" clId="{758B2237-65D5-43A4-B1E5-EE942E8F25AB}" dt="2024-11-08T02:55:39.674" v="622" actId="478"/>
+          <ac:spMkLst>
+            <pc:docMk/>
+            <pc:sldMk cId="3615565354" sldId="261"/>
+            <ac:spMk id="25" creationId="{1E2628B8-16BD-3309-586B-C783BA7DEAD8}"/>
+          </ac:spMkLst>
+        </pc:spChg>
+        <pc:spChg chg="add mod">
+          <ac:chgData name="Yong Vuthivathnakk" userId="465e2e75-8566-46c1-b6fd-63a4f9543fa8" providerId="ADAL" clId="{758B2237-65D5-43A4-B1E5-EE942E8F25AB}" dt="2024-11-08T02:56:20.274" v="643" actId="20577"/>
+          <ac:spMkLst>
+            <pc:docMk/>
+            <pc:sldMk cId="3615565354" sldId="261"/>
+            <ac:spMk id="26" creationId="{628A49EB-D447-3F49-6E67-3CEA7062224E}"/>
+          </ac:spMkLst>
+        </pc:spChg>
+        <pc:spChg chg="add mod">
+          <ac:chgData name="Yong Vuthivathnakk" userId="465e2e75-8566-46c1-b6fd-63a4f9543fa8" providerId="ADAL" clId="{758B2237-65D5-43A4-B1E5-EE942E8F25AB}" dt="2024-11-08T02:56:29.118" v="654" actId="20577"/>
+          <ac:spMkLst>
+            <pc:docMk/>
+            <pc:sldMk cId="3615565354" sldId="261"/>
+            <ac:spMk id="27" creationId="{9E416BCA-14D5-2CF5-32B8-8FC01BDE3F5C}"/>
+          </ac:spMkLst>
+        </pc:spChg>
+        <pc:spChg chg="add mod">
+          <ac:chgData name="Yong Vuthivathnakk" userId="465e2e75-8566-46c1-b6fd-63a4f9543fa8" providerId="ADAL" clId="{758B2237-65D5-43A4-B1E5-EE942E8F25AB}" dt="2024-11-08T03:06:25.480" v="733" actId="1076"/>
+          <ac:spMkLst>
+            <pc:docMk/>
+            <pc:sldMk cId="3615565354" sldId="261"/>
+            <ac:spMk id="28" creationId="{D2693038-1DF6-D2DA-83C9-596C9752F465}"/>
+          </ac:spMkLst>
+        </pc:spChg>
+        <pc:spChg chg="add mod">
+          <ac:chgData name="Yong Vuthivathnakk" userId="465e2e75-8566-46c1-b6fd-63a4f9543fa8" providerId="ADAL" clId="{758B2237-65D5-43A4-B1E5-EE942E8F25AB}" dt="2024-11-08T03:05:40.068" v="707" actId="20577"/>
+          <ac:spMkLst>
+            <pc:docMk/>
+            <pc:sldMk cId="3615565354" sldId="261"/>
+            <ac:spMk id="29" creationId="{BF6492D4-A96C-5DCF-B884-EE55206A53EF}"/>
+          </ac:spMkLst>
+        </pc:spChg>
+        <pc:spChg chg="add mod">
+          <ac:chgData name="Yong Vuthivathnakk" userId="465e2e75-8566-46c1-b6fd-63a4f9543fa8" providerId="ADAL" clId="{758B2237-65D5-43A4-B1E5-EE942E8F25AB}" dt="2024-11-08T03:06:39.784" v="736" actId="1076"/>
+          <ac:spMkLst>
+            <pc:docMk/>
+            <pc:sldMk cId="3615565354" sldId="261"/>
+            <ac:spMk id="30" creationId="{A49644B9-C080-8B7D-B866-7AE9E441A9E8}"/>
+          </ac:spMkLst>
+        </pc:spChg>
+        <pc:spChg chg="add mod">
+          <ac:chgData name="Yong Vuthivathnakk" userId="465e2e75-8566-46c1-b6fd-63a4f9543fa8" providerId="ADAL" clId="{758B2237-65D5-43A4-B1E5-EE942E8F25AB}" dt="2024-11-08T03:06:48.493" v="757" actId="20577"/>
+          <ac:spMkLst>
+            <pc:docMk/>
+            <pc:sldMk cId="3615565354" sldId="261"/>
+            <ac:spMk id="31" creationId="{248E25B3-9EC0-E9E9-FA81-5A7134EFFD7A}"/>
+          </ac:spMkLst>
+        </pc:spChg>
+        <pc:spChg chg="add del mod">
+          <ac:chgData name="Yong Vuthivathnakk" userId="465e2e75-8566-46c1-b6fd-63a4f9543fa8" providerId="ADAL" clId="{758B2237-65D5-43A4-B1E5-EE942E8F25AB}" dt="2024-11-08T03:06:27.321" v="734" actId="478"/>
+          <ac:spMkLst>
+            <pc:docMk/>
+            <pc:sldMk cId="3615565354" sldId="261"/>
+            <ac:spMk id="32" creationId="{71D8D5BC-8620-4878-49E2-5215BA14A444}"/>
+          </ac:spMkLst>
+        </pc:spChg>
+        <pc:spChg chg="add mod">
+          <ac:chgData name="Yong Vuthivathnakk" userId="465e2e75-8566-46c1-b6fd-63a4f9543fa8" providerId="ADAL" clId="{758B2237-65D5-43A4-B1E5-EE942E8F25AB}" dt="2024-11-08T03:07:02.374" v="764" actId="20577"/>
+          <ac:spMkLst>
+            <pc:docMk/>
+            <pc:sldMk cId="3615565354" sldId="261"/>
+            <ac:spMk id="33" creationId="{4F934179-A993-08B9-324A-2E1ACE2BC072}"/>
+          </ac:spMkLst>
+        </pc:spChg>
+        <pc:spChg chg="add mod">
+          <ac:chgData name="Yong Vuthivathnakk" userId="465e2e75-8566-46c1-b6fd-63a4f9543fa8" providerId="ADAL" clId="{758B2237-65D5-43A4-B1E5-EE942E8F25AB}" dt="2024-11-08T03:07:04.747" v="766" actId="20577"/>
+          <ac:spMkLst>
+            <pc:docMk/>
+            <pc:sldMk cId="3615565354" sldId="261"/>
+            <ac:spMk id="34" creationId="{717540C2-A238-A6B5-8187-E2C8F125E186}"/>
+          </ac:spMkLst>
+        </pc:spChg>
+        <pc:picChg chg="add mod modCrop">
+          <ac:chgData name="Yong Vuthivathnakk" userId="465e2e75-8566-46c1-b6fd-63a4f9543fa8" providerId="ADAL" clId="{758B2237-65D5-43A4-B1E5-EE942E8F25AB}" dt="2024-11-08T02:50:20.484" v="460" actId="1076"/>
+          <ac:picMkLst>
+            <pc:docMk/>
+            <pc:sldMk cId="3615565354" sldId="261"/>
+            <ac:picMk id="4" creationId="{3AAE4F45-C2CC-35BA-FA5E-A22C1689A50B}"/>
+          </ac:picMkLst>
+        </pc:picChg>
+      </pc:sldChg>
+    </pc:docChg>
+  </pc:docChgLst>
+</pc:chgInfo>
 </file>
 
 <file path=ppt/slideLayouts/slideLayout1.xml><?xml version="1.0" encoding="utf-8"?>
@@ -256,7 +914,7 @@
           <a:p>
             <a:fld id="{C0FAEE99-BDB4-4A2A-B2E9-74B86D049DCB}" type="datetimeFigureOut">
               <a:rPr lang="en-US" smtClean="0"/>
-              <a:t>8/4/2024</a:t>
+              <a:t>11/8/2024</a:t>
             </a:fld>
             <a:endParaRPr lang="en-US"/>
           </a:p>
@@ -454,7 +1112,7 @@
           <a:p>
             <a:fld id="{C0FAEE99-BDB4-4A2A-B2E9-74B86D049DCB}" type="datetimeFigureOut">
               <a:rPr lang="en-US" smtClean="0"/>
-              <a:t>8/4/2024</a:t>
+              <a:t>11/8/2024</a:t>
             </a:fld>
             <a:endParaRPr lang="en-US"/>
           </a:p>
@@ -662,7 +1320,7 @@
           <a:p>
             <a:fld id="{C0FAEE99-BDB4-4A2A-B2E9-74B86D049DCB}" type="datetimeFigureOut">
               <a:rPr lang="en-US" smtClean="0"/>
-              <a:t>8/4/2024</a:t>
+              <a:t>11/8/2024</a:t>
             </a:fld>
             <a:endParaRPr lang="en-US"/>
           </a:p>
@@ -860,7 +1518,7 @@
           <a:p>
             <a:fld id="{C0FAEE99-BDB4-4A2A-B2E9-74B86D049DCB}" type="datetimeFigureOut">
               <a:rPr lang="en-US" smtClean="0"/>
-              <a:t>8/4/2024</a:t>
+              <a:t>11/8/2024</a:t>
             </a:fld>
             <a:endParaRPr lang="en-US"/>
           </a:p>
@@ -1135,7 +1793,7 @@
           <a:p>
             <a:fld id="{C0FAEE99-BDB4-4A2A-B2E9-74B86D049DCB}" type="datetimeFigureOut">
               <a:rPr lang="en-US" smtClean="0"/>
-              <a:t>8/4/2024</a:t>
+              <a:t>11/8/2024</a:t>
             </a:fld>
             <a:endParaRPr lang="en-US"/>
           </a:p>
@@ -1400,7 +2058,7 @@
           <a:p>
             <a:fld id="{C0FAEE99-BDB4-4A2A-B2E9-74B86D049DCB}" type="datetimeFigureOut">
               <a:rPr lang="en-US" smtClean="0"/>
-              <a:t>8/4/2024</a:t>
+              <a:t>11/8/2024</a:t>
             </a:fld>
             <a:endParaRPr lang="en-US"/>
           </a:p>
@@ -1812,7 +2470,7 @@
           <a:p>
             <a:fld id="{C0FAEE99-BDB4-4A2A-B2E9-74B86D049DCB}" type="datetimeFigureOut">
               <a:rPr lang="en-US" smtClean="0"/>
-              <a:t>8/4/2024</a:t>
+              <a:t>11/8/2024</a:t>
             </a:fld>
             <a:endParaRPr lang="en-US"/>
           </a:p>
@@ -1953,7 +2611,7 @@
           <a:p>
             <a:fld id="{C0FAEE99-BDB4-4A2A-B2E9-74B86D049DCB}" type="datetimeFigureOut">
               <a:rPr lang="en-US" smtClean="0"/>
-              <a:t>8/4/2024</a:t>
+              <a:t>11/8/2024</a:t>
             </a:fld>
             <a:endParaRPr lang="en-US"/>
           </a:p>
@@ -2066,7 +2724,7 @@
           <a:p>
             <a:fld id="{C0FAEE99-BDB4-4A2A-B2E9-74B86D049DCB}" type="datetimeFigureOut">
               <a:rPr lang="en-US" smtClean="0"/>
-              <a:t>8/4/2024</a:t>
+              <a:t>11/8/2024</a:t>
             </a:fld>
             <a:endParaRPr lang="en-US"/>
           </a:p>
@@ -2377,7 +3035,7 @@
           <a:p>
             <a:fld id="{C0FAEE99-BDB4-4A2A-B2E9-74B86D049DCB}" type="datetimeFigureOut">
               <a:rPr lang="en-US" smtClean="0"/>
-              <a:t>8/4/2024</a:t>
+              <a:t>11/8/2024</a:t>
             </a:fld>
             <a:endParaRPr lang="en-US"/>
           </a:p>
@@ -2665,7 +3323,7 @@
           <a:p>
             <a:fld id="{C0FAEE99-BDB4-4A2A-B2E9-74B86D049DCB}" type="datetimeFigureOut">
               <a:rPr lang="en-US" smtClean="0"/>
-              <a:t>8/4/2024</a:t>
+              <a:t>11/8/2024</a:t>
             </a:fld>
             <a:endParaRPr lang="en-US"/>
           </a:p>
@@ -2906,7 +3564,7 @@
           <a:p>
             <a:fld id="{C0FAEE99-BDB4-4A2A-B2E9-74B86D049DCB}" type="datetimeFigureOut">
               <a:rPr lang="en-US" smtClean="0"/>
-              <a:t>8/4/2024</a:t>
+              <a:t>11/8/2024</a:t>
             </a:fld>
             <a:endParaRPr lang="en-US"/>
           </a:p>
@@ -4124,10 +4782,2502 @@
           <a:chExt cx="0" cy="0"/>
         </a:xfrm>
       </p:grpSpPr>
+      <p:pic>
+        <p:nvPicPr>
+          <p:cNvPr id="2" name="Picture 1">
+            <a:extLst>
+              <a:ext uri="{FF2B5EF4-FFF2-40B4-BE49-F238E27FC236}">
+                <a16:creationId xmlns:a16="http://schemas.microsoft.com/office/drawing/2014/main" id="{84921B3F-B6CB-C0AA-5A12-44FF00D763A5}"/>
+              </a:ext>
+            </a:extLst>
+          </p:cNvPr>
+          <p:cNvPicPr>
+            <a:picLocks noChangeAspect="1"/>
+          </p:cNvPicPr>
+          <p:nvPr/>
+        </p:nvPicPr>
+        <p:blipFill>
+          <a:blip r:embed="rId2">
+            <a:extLst>
+              <a:ext uri="{BEBA8EAE-BF5A-486C-A8C5-ECC9F3942E4B}">
+                <a14:imgProps xmlns:a14="http://schemas.microsoft.com/office/drawing/2010/main">
+                  <a14:imgLayer r:embed="rId3">
+                    <a14:imgEffect>
+                      <a14:saturation sat="0"/>
+                    </a14:imgEffect>
+                  </a14:imgLayer>
+                </a14:imgProps>
+              </a:ext>
+            </a:extLst>
+          </a:blip>
+          <a:stretch>
+            <a:fillRect/>
+          </a:stretch>
+        </p:blipFill>
+        <p:spPr>
+          <a:xfrm>
+            <a:off x="94645" y="1533891"/>
+            <a:ext cx="8626014" cy="3790218"/>
+          </a:xfrm>
+          <a:prstGeom prst="rect">
+            <a:avLst/>
+          </a:prstGeom>
+          <a:ln>
+            <a:solidFill>
+              <a:schemeClr val="accent1"/>
+            </a:solidFill>
+          </a:ln>
+        </p:spPr>
+      </p:pic>
+      <p:sp>
+        <p:nvSpPr>
+          <p:cNvPr id="3" name="Rectangle 2">
+            <a:extLst>
+              <a:ext uri="{FF2B5EF4-FFF2-40B4-BE49-F238E27FC236}">
+                <a16:creationId xmlns:a16="http://schemas.microsoft.com/office/drawing/2014/main" id="{B088D7FC-4C5C-9F98-73B7-B6D2F0C639BA}"/>
+              </a:ext>
+            </a:extLst>
+          </p:cNvPr>
+          <p:cNvSpPr/>
+          <p:nvPr/>
+        </p:nvSpPr>
+        <p:spPr>
+          <a:xfrm>
+            <a:off x="94645" y="1533891"/>
+            <a:ext cx="8626014" cy="313382"/>
+          </a:xfrm>
+          <a:prstGeom prst="rect">
+            <a:avLst/>
+          </a:prstGeom>
+          <a:noFill/>
+          <a:ln>
+            <a:solidFill>
+              <a:srgbClr val="FF0000"/>
+            </a:solidFill>
+            <a:prstDash val="dash"/>
+          </a:ln>
+        </p:spPr>
+        <p:style>
+          <a:lnRef idx="2">
+            <a:schemeClr val="accent1">
+              <a:shade val="15000"/>
+            </a:schemeClr>
+          </a:lnRef>
+          <a:fillRef idx="1">
+            <a:schemeClr val="accent1"/>
+          </a:fillRef>
+          <a:effectRef idx="0">
+            <a:schemeClr val="accent1"/>
+          </a:effectRef>
+          <a:fontRef idx="minor">
+            <a:schemeClr val="lt1"/>
+          </a:fontRef>
+        </p:style>
+        <p:txBody>
+          <a:bodyPr rtlCol="0" anchor="ctr"/>
+          <a:lstStyle/>
+          <a:p>
+            <a:pPr algn="ctr"/>
+            <a:endParaRPr lang="en-US"/>
+          </a:p>
+        </p:txBody>
+      </p:sp>
+      <p:sp>
+        <p:nvSpPr>
+          <p:cNvPr id="4" name="Rectangle 3">
+            <a:extLst>
+              <a:ext uri="{FF2B5EF4-FFF2-40B4-BE49-F238E27FC236}">
+                <a16:creationId xmlns:a16="http://schemas.microsoft.com/office/drawing/2014/main" id="{30F84C5D-4EF1-4244-4466-E16203E1C10E}"/>
+              </a:ext>
+            </a:extLst>
+          </p:cNvPr>
+          <p:cNvSpPr/>
+          <p:nvPr/>
+        </p:nvSpPr>
+        <p:spPr>
+          <a:xfrm>
+            <a:off x="94645" y="1847273"/>
+            <a:ext cx="8559828" cy="3476836"/>
+          </a:xfrm>
+          <a:prstGeom prst="rect">
+            <a:avLst/>
+          </a:prstGeom>
+          <a:noFill/>
+          <a:ln>
+            <a:solidFill>
+              <a:srgbClr val="FF0000"/>
+            </a:solidFill>
+            <a:prstDash val="dash"/>
+          </a:ln>
+        </p:spPr>
+        <p:style>
+          <a:lnRef idx="2">
+            <a:schemeClr val="accent1">
+              <a:shade val="15000"/>
+            </a:schemeClr>
+          </a:lnRef>
+          <a:fillRef idx="1">
+            <a:schemeClr val="accent1"/>
+          </a:fillRef>
+          <a:effectRef idx="0">
+            <a:schemeClr val="accent1"/>
+          </a:effectRef>
+          <a:fontRef idx="minor">
+            <a:schemeClr val="lt1"/>
+          </a:fontRef>
+        </p:style>
+        <p:txBody>
+          <a:bodyPr rtlCol="0" anchor="ctr"/>
+          <a:lstStyle/>
+          <a:p>
+            <a:pPr algn="ctr"/>
+            <a:endParaRPr lang="en-US"/>
+          </a:p>
+        </p:txBody>
+      </p:sp>
+      <p:sp>
+        <p:nvSpPr>
+          <p:cNvPr id="7" name="TextBox 6">
+            <a:extLst>
+              <a:ext uri="{FF2B5EF4-FFF2-40B4-BE49-F238E27FC236}">
+                <a16:creationId xmlns:a16="http://schemas.microsoft.com/office/drawing/2014/main" id="{81550B8D-C4D7-6F5D-71FE-D0A2B0B916A4}"/>
+              </a:ext>
+            </a:extLst>
+          </p:cNvPr>
+          <p:cNvSpPr txBox="1"/>
+          <p:nvPr/>
+        </p:nvSpPr>
+        <p:spPr>
+          <a:xfrm>
+            <a:off x="196093" y="304339"/>
+            <a:ext cx="969304" cy="646331"/>
+          </a:xfrm>
+          <a:prstGeom prst="rect">
+            <a:avLst/>
+          </a:prstGeom>
+          <a:noFill/>
+        </p:spPr>
+        <p:txBody>
+          <a:bodyPr wrap="none" rtlCol="0">
+            <a:spAutoFit/>
+          </a:bodyPr>
+          <a:lstStyle/>
+          <a:p>
+            <a:r>
+              <a:rPr lang="en-US" b="1" dirty="0"/>
+              <a:t>Root</a:t>
+            </a:r>
+            <a:r>
+              <a:rPr lang="en-US" dirty="0"/>
+              <a:t> div</a:t>
+            </a:r>
+          </a:p>
+          <a:p>
+            <a:endParaRPr lang="en-US" dirty="0"/>
+          </a:p>
+        </p:txBody>
+      </p:sp>
+      <p:sp>
+        <p:nvSpPr>
+          <p:cNvPr id="8" name="TextBox 7">
+            <a:extLst>
+              <a:ext uri="{FF2B5EF4-FFF2-40B4-BE49-F238E27FC236}">
+                <a16:creationId xmlns:a16="http://schemas.microsoft.com/office/drawing/2014/main" id="{38D3FCBF-8031-1E81-A181-55ABDEA626FA}"/>
+              </a:ext>
+            </a:extLst>
+          </p:cNvPr>
+          <p:cNvSpPr txBox="1"/>
+          <p:nvPr/>
+        </p:nvSpPr>
+        <p:spPr>
+          <a:xfrm>
+            <a:off x="509359" y="664278"/>
+            <a:ext cx="1841914" cy="646331"/>
+          </a:xfrm>
+          <a:prstGeom prst="rect">
+            <a:avLst/>
+          </a:prstGeom>
+          <a:noFill/>
+        </p:spPr>
+        <p:txBody>
+          <a:bodyPr wrap="none" rtlCol="0">
+            <a:spAutoFit/>
+          </a:bodyPr>
+          <a:lstStyle/>
+          <a:p>
+            <a:pPr marL="285750" indent="-285750">
+              <a:buFontTx/>
+              <a:buChar char="-"/>
+            </a:pPr>
+            <a:r>
+              <a:rPr lang="en-US" dirty="0"/>
+              <a:t>Height: 100vh</a:t>
+            </a:r>
+          </a:p>
+          <a:p>
+            <a:pPr marL="285750" indent="-285750">
+              <a:buFontTx/>
+              <a:buChar char="-"/>
+            </a:pPr>
+            <a:r>
+              <a:rPr lang="en-US" dirty="0"/>
+              <a:t>Width: 100 </a:t>
+            </a:r>
+            <a:r>
+              <a:rPr lang="en-US" dirty="0" err="1"/>
+              <a:t>vw</a:t>
+            </a:r>
+            <a:endParaRPr lang="en-US" dirty="0"/>
+          </a:p>
+        </p:txBody>
+      </p:sp>
+      <p:sp>
+        <p:nvSpPr>
+          <p:cNvPr id="9" name="Rectangle 8">
+            <a:extLst>
+              <a:ext uri="{FF2B5EF4-FFF2-40B4-BE49-F238E27FC236}">
+                <a16:creationId xmlns:a16="http://schemas.microsoft.com/office/drawing/2014/main" id="{FBC9577E-D79E-ED1B-B610-A54310ED43AC}"/>
+              </a:ext>
+            </a:extLst>
+          </p:cNvPr>
+          <p:cNvSpPr/>
+          <p:nvPr/>
+        </p:nvSpPr>
+        <p:spPr>
+          <a:xfrm>
+            <a:off x="9162473" y="2331527"/>
+            <a:ext cx="2650836" cy="2992582"/>
+          </a:xfrm>
+          <a:prstGeom prst="rect">
+            <a:avLst/>
+          </a:prstGeom>
+        </p:spPr>
+        <p:style>
+          <a:lnRef idx="2">
+            <a:schemeClr val="accent1">
+              <a:shade val="15000"/>
+            </a:schemeClr>
+          </a:lnRef>
+          <a:fillRef idx="1">
+            <a:schemeClr val="accent1"/>
+          </a:fillRef>
+          <a:effectRef idx="0">
+            <a:schemeClr val="accent1"/>
+          </a:effectRef>
+          <a:fontRef idx="minor">
+            <a:schemeClr val="lt1"/>
+          </a:fontRef>
+        </p:style>
+        <p:txBody>
+          <a:bodyPr rtlCol="0" anchor="ctr"/>
+          <a:lstStyle/>
+          <a:p>
+            <a:pPr algn="ctr"/>
+            <a:r>
+              <a:rPr lang="en-US" dirty="0"/>
+              <a:t>Content</a:t>
+            </a:r>
+          </a:p>
+          <a:p>
+            <a:pPr algn="ctr"/>
+            <a:endParaRPr lang="en-US" dirty="0"/>
+          </a:p>
+          <a:p>
+            <a:r>
+              <a:rPr lang="en-US" dirty="0"/>
+              <a:t>Flex: 1</a:t>
+            </a:r>
+          </a:p>
+        </p:txBody>
+      </p:sp>
+      <p:sp>
+        <p:nvSpPr>
+          <p:cNvPr id="10" name="Rectangle 9">
+            <a:extLst>
+              <a:ext uri="{FF2B5EF4-FFF2-40B4-BE49-F238E27FC236}">
+                <a16:creationId xmlns:a16="http://schemas.microsoft.com/office/drawing/2014/main" id="{28DD9CBF-58B6-1E2C-9450-2849A15B6AAD}"/>
+              </a:ext>
+            </a:extLst>
+          </p:cNvPr>
+          <p:cNvSpPr/>
+          <p:nvPr/>
+        </p:nvSpPr>
+        <p:spPr>
+          <a:xfrm>
+            <a:off x="9162474" y="2012873"/>
+            <a:ext cx="2650836" cy="313382"/>
+          </a:xfrm>
+          <a:prstGeom prst="rect">
+            <a:avLst/>
+          </a:prstGeom>
+          <a:ln/>
+        </p:spPr>
+        <p:style>
+          <a:lnRef idx="2">
+            <a:schemeClr val="accent4">
+              <a:shade val="15000"/>
+            </a:schemeClr>
+          </a:lnRef>
+          <a:fillRef idx="1">
+            <a:schemeClr val="accent4"/>
+          </a:fillRef>
+          <a:effectRef idx="0">
+            <a:schemeClr val="accent4"/>
+          </a:effectRef>
+          <a:fontRef idx="minor">
+            <a:schemeClr val="lt1"/>
+          </a:fontRef>
+        </p:style>
+        <p:txBody>
+          <a:bodyPr rtlCol="0" anchor="ctr"/>
+          <a:lstStyle/>
+          <a:p>
+            <a:r>
+              <a:rPr lang="en-US" dirty="0"/>
+              <a:t>Flex: 0         nav</a:t>
+            </a:r>
+          </a:p>
+        </p:txBody>
+      </p:sp>
     </p:spTree>
     <p:extLst>
       <p:ext uri="{BB962C8B-B14F-4D97-AF65-F5344CB8AC3E}">
         <p14:creationId xmlns:p14="http://schemas.microsoft.com/office/powerpoint/2010/main" val="535099321"/>
+      </p:ext>
+    </p:extLst>
+  </p:cSld>
+  <p:clrMapOvr>
+    <a:masterClrMapping/>
+  </p:clrMapOvr>
+</p:sld>
+</file>
+
+<file path=ppt/slides/slide4.xml><?xml version="1.0" encoding="utf-8"?>
+<p:sld xmlns:a="http://schemas.openxmlformats.org/drawingml/2006/main" xmlns:r="http://schemas.openxmlformats.org/officeDocument/2006/relationships" xmlns:p="http://schemas.openxmlformats.org/presentationml/2006/main">
+  <p:cSld>
+    <p:spTree>
+      <p:nvGrpSpPr>
+        <p:cNvPr id="1" name=""/>
+        <p:cNvGrpSpPr/>
+        <p:nvPr/>
+      </p:nvGrpSpPr>
+      <p:grpSpPr>
+        <a:xfrm>
+          <a:off x="0" y="0"/>
+          <a:ext cx="0" cy="0"/>
+          <a:chOff x="0" y="0"/>
+          <a:chExt cx="0" cy="0"/>
+        </a:xfrm>
+      </p:grpSpPr>
+      <p:pic>
+        <p:nvPicPr>
+          <p:cNvPr id="4" name="Picture 3">
+            <a:extLst>
+              <a:ext uri="{FF2B5EF4-FFF2-40B4-BE49-F238E27FC236}">
+                <a16:creationId xmlns:a16="http://schemas.microsoft.com/office/drawing/2014/main" id="{40255188-BE55-4056-4CD9-FBCA7D00DEF5}"/>
+              </a:ext>
+            </a:extLst>
+          </p:cNvPr>
+          <p:cNvPicPr>
+            <a:picLocks noChangeAspect="1"/>
+          </p:cNvPicPr>
+          <p:nvPr/>
+        </p:nvPicPr>
+        <p:blipFill>
+          <a:blip r:embed="rId2"/>
+          <a:srcRect b="88856"/>
+          <a:stretch/>
+        </p:blipFill>
+        <p:spPr>
+          <a:xfrm>
+            <a:off x="921624" y="1973881"/>
+            <a:ext cx="10128738" cy="495942"/>
+          </a:xfrm>
+          <a:prstGeom prst="rect">
+            <a:avLst/>
+          </a:prstGeom>
+          <a:ln>
+            <a:solidFill>
+              <a:schemeClr val="accent1"/>
+            </a:solidFill>
+          </a:ln>
+        </p:spPr>
+      </p:pic>
+      <p:sp>
+        <p:nvSpPr>
+          <p:cNvPr id="6" name="Rectangle 5">
+            <a:extLst>
+              <a:ext uri="{FF2B5EF4-FFF2-40B4-BE49-F238E27FC236}">
+                <a16:creationId xmlns:a16="http://schemas.microsoft.com/office/drawing/2014/main" id="{08305F3B-4F33-686E-D338-301FD752BD53}"/>
+              </a:ext>
+            </a:extLst>
+          </p:cNvPr>
+          <p:cNvSpPr/>
+          <p:nvPr/>
+        </p:nvSpPr>
+        <p:spPr>
+          <a:xfrm>
+            <a:off x="921624" y="1973881"/>
+            <a:ext cx="1053091" cy="360757"/>
+          </a:xfrm>
+          <a:prstGeom prst="rect">
+            <a:avLst/>
+          </a:prstGeom>
+          <a:noFill/>
+          <a:ln>
+            <a:solidFill>
+              <a:srgbClr val="FF0000"/>
+            </a:solidFill>
+            <a:prstDash val="dash"/>
+          </a:ln>
+        </p:spPr>
+        <p:style>
+          <a:lnRef idx="2">
+            <a:schemeClr val="accent1">
+              <a:shade val="15000"/>
+            </a:schemeClr>
+          </a:lnRef>
+          <a:fillRef idx="1">
+            <a:schemeClr val="accent1"/>
+          </a:fillRef>
+          <a:effectRef idx="0">
+            <a:schemeClr val="accent1"/>
+          </a:effectRef>
+          <a:fontRef idx="minor">
+            <a:schemeClr val="lt1"/>
+          </a:fontRef>
+        </p:style>
+        <p:txBody>
+          <a:bodyPr rtlCol="0" anchor="ctr"/>
+          <a:lstStyle/>
+          <a:p>
+            <a:pPr algn="ctr"/>
+            <a:endParaRPr lang="en-US"/>
+          </a:p>
+        </p:txBody>
+      </p:sp>
+      <p:sp>
+        <p:nvSpPr>
+          <p:cNvPr id="7" name="Rectangle 6">
+            <a:extLst>
+              <a:ext uri="{FF2B5EF4-FFF2-40B4-BE49-F238E27FC236}">
+                <a16:creationId xmlns:a16="http://schemas.microsoft.com/office/drawing/2014/main" id="{700705DF-0D86-6C7B-D1E8-BDDBA1606EE0}"/>
+              </a:ext>
+            </a:extLst>
+          </p:cNvPr>
+          <p:cNvSpPr/>
+          <p:nvPr/>
+        </p:nvSpPr>
+        <p:spPr>
+          <a:xfrm>
+            <a:off x="4485838" y="1977056"/>
+            <a:ext cx="2450671" cy="360757"/>
+          </a:xfrm>
+          <a:prstGeom prst="rect">
+            <a:avLst/>
+          </a:prstGeom>
+          <a:noFill/>
+          <a:ln>
+            <a:solidFill>
+              <a:srgbClr val="FF0000"/>
+            </a:solidFill>
+            <a:prstDash val="dash"/>
+          </a:ln>
+        </p:spPr>
+        <p:style>
+          <a:lnRef idx="2">
+            <a:schemeClr val="accent1">
+              <a:shade val="15000"/>
+            </a:schemeClr>
+          </a:lnRef>
+          <a:fillRef idx="1">
+            <a:schemeClr val="accent1"/>
+          </a:fillRef>
+          <a:effectRef idx="0">
+            <a:schemeClr val="accent1"/>
+          </a:effectRef>
+          <a:fontRef idx="minor">
+            <a:schemeClr val="lt1"/>
+          </a:fontRef>
+        </p:style>
+        <p:txBody>
+          <a:bodyPr rtlCol="0" anchor="ctr"/>
+          <a:lstStyle/>
+          <a:p>
+            <a:pPr algn="ctr"/>
+            <a:endParaRPr lang="en-US"/>
+          </a:p>
+        </p:txBody>
+      </p:sp>
+      <p:sp>
+        <p:nvSpPr>
+          <p:cNvPr id="8" name="Rectangle 7">
+            <a:extLst>
+              <a:ext uri="{FF2B5EF4-FFF2-40B4-BE49-F238E27FC236}">
+                <a16:creationId xmlns:a16="http://schemas.microsoft.com/office/drawing/2014/main" id="{E857C0A1-C3E3-A79A-8F12-953F812AD73A}"/>
+              </a:ext>
+            </a:extLst>
+          </p:cNvPr>
+          <p:cNvSpPr/>
+          <p:nvPr/>
+        </p:nvSpPr>
+        <p:spPr>
+          <a:xfrm>
+            <a:off x="10030691" y="2041473"/>
+            <a:ext cx="891309" cy="360757"/>
+          </a:xfrm>
+          <a:prstGeom prst="rect">
+            <a:avLst/>
+          </a:prstGeom>
+          <a:noFill/>
+          <a:ln>
+            <a:solidFill>
+              <a:srgbClr val="FF0000"/>
+            </a:solidFill>
+            <a:prstDash val="dash"/>
+          </a:ln>
+        </p:spPr>
+        <p:style>
+          <a:lnRef idx="2">
+            <a:schemeClr val="accent1">
+              <a:shade val="15000"/>
+            </a:schemeClr>
+          </a:lnRef>
+          <a:fillRef idx="1">
+            <a:schemeClr val="accent1"/>
+          </a:fillRef>
+          <a:effectRef idx="0">
+            <a:schemeClr val="accent1"/>
+          </a:effectRef>
+          <a:fontRef idx="minor">
+            <a:schemeClr val="lt1"/>
+          </a:fontRef>
+        </p:style>
+        <p:txBody>
+          <a:bodyPr rtlCol="0" anchor="ctr"/>
+          <a:lstStyle/>
+          <a:p>
+            <a:pPr algn="ctr"/>
+            <a:endParaRPr lang="en-US"/>
+          </a:p>
+        </p:txBody>
+      </p:sp>
+      <p:sp>
+        <p:nvSpPr>
+          <p:cNvPr id="9" name="Rectangle 8">
+            <a:extLst>
+              <a:ext uri="{FF2B5EF4-FFF2-40B4-BE49-F238E27FC236}">
+                <a16:creationId xmlns:a16="http://schemas.microsoft.com/office/drawing/2014/main" id="{5278D60A-BA4C-A8F7-F0F0-0D85C7B29B45}"/>
+              </a:ext>
+            </a:extLst>
+          </p:cNvPr>
+          <p:cNvSpPr/>
+          <p:nvPr/>
+        </p:nvSpPr>
+        <p:spPr>
+          <a:xfrm>
+            <a:off x="956793" y="3453887"/>
+            <a:ext cx="10058400" cy="655782"/>
+          </a:xfrm>
+          <a:prstGeom prst="rect">
+            <a:avLst/>
+          </a:prstGeom>
+        </p:spPr>
+        <p:style>
+          <a:lnRef idx="2">
+            <a:schemeClr val="accent1">
+              <a:shade val="15000"/>
+            </a:schemeClr>
+          </a:lnRef>
+          <a:fillRef idx="1">
+            <a:schemeClr val="accent1"/>
+          </a:fillRef>
+          <a:effectRef idx="0">
+            <a:schemeClr val="accent1"/>
+          </a:effectRef>
+          <a:fontRef idx="minor">
+            <a:schemeClr val="lt1"/>
+          </a:fontRef>
+        </p:style>
+        <p:txBody>
+          <a:bodyPr rtlCol="0" anchor="ctr"/>
+          <a:lstStyle/>
+          <a:p>
+            <a:pPr algn="ctr"/>
+            <a:endParaRPr lang="en-US"/>
+          </a:p>
+        </p:txBody>
+      </p:sp>
+      <p:sp>
+        <p:nvSpPr>
+          <p:cNvPr id="10" name="Rectangle 9">
+            <a:extLst>
+              <a:ext uri="{FF2B5EF4-FFF2-40B4-BE49-F238E27FC236}">
+                <a16:creationId xmlns:a16="http://schemas.microsoft.com/office/drawing/2014/main" id="{8F933019-944D-F090-9520-AD597C53E908}"/>
+              </a:ext>
+            </a:extLst>
+          </p:cNvPr>
+          <p:cNvSpPr/>
+          <p:nvPr/>
+        </p:nvSpPr>
+        <p:spPr>
+          <a:xfrm>
+            <a:off x="956793" y="3453887"/>
+            <a:ext cx="1616364" cy="655782"/>
+          </a:xfrm>
+          <a:prstGeom prst="rect">
+            <a:avLst/>
+          </a:prstGeom>
+        </p:spPr>
+        <p:style>
+          <a:lnRef idx="2">
+            <a:schemeClr val="accent4">
+              <a:shade val="15000"/>
+            </a:schemeClr>
+          </a:lnRef>
+          <a:fillRef idx="1">
+            <a:schemeClr val="accent4"/>
+          </a:fillRef>
+          <a:effectRef idx="0">
+            <a:schemeClr val="accent4"/>
+          </a:effectRef>
+          <a:fontRef idx="minor">
+            <a:schemeClr val="lt1"/>
+          </a:fontRef>
+        </p:style>
+        <p:txBody>
+          <a:bodyPr rtlCol="0" anchor="ctr"/>
+          <a:lstStyle/>
+          <a:p>
+            <a:pPr algn="ctr"/>
+            <a:r>
+              <a:rPr lang="en-US" dirty="0"/>
+              <a:t>Left Nav</a:t>
+            </a:r>
+          </a:p>
+        </p:txBody>
+      </p:sp>
+      <p:sp>
+        <p:nvSpPr>
+          <p:cNvPr id="11" name="Rectangle 10">
+            <a:extLst>
+              <a:ext uri="{FF2B5EF4-FFF2-40B4-BE49-F238E27FC236}">
+                <a16:creationId xmlns:a16="http://schemas.microsoft.com/office/drawing/2014/main" id="{48D96D3B-C8A2-D042-EB88-4950F14C7258}"/>
+              </a:ext>
+            </a:extLst>
+          </p:cNvPr>
+          <p:cNvSpPr/>
+          <p:nvPr/>
+        </p:nvSpPr>
+        <p:spPr>
+          <a:xfrm>
+            <a:off x="5012578" y="3453887"/>
+            <a:ext cx="1616364" cy="655782"/>
+          </a:xfrm>
+          <a:prstGeom prst="rect">
+            <a:avLst/>
+          </a:prstGeom>
+        </p:spPr>
+        <p:style>
+          <a:lnRef idx="2">
+            <a:schemeClr val="accent4">
+              <a:shade val="15000"/>
+            </a:schemeClr>
+          </a:lnRef>
+          <a:fillRef idx="1">
+            <a:schemeClr val="accent4"/>
+          </a:fillRef>
+          <a:effectRef idx="0">
+            <a:schemeClr val="accent4"/>
+          </a:effectRef>
+          <a:fontRef idx="minor">
+            <a:schemeClr val="lt1"/>
+          </a:fontRef>
+        </p:style>
+        <p:txBody>
+          <a:bodyPr rtlCol="0" anchor="ctr"/>
+          <a:lstStyle/>
+          <a:p>
+            <a:pPr algn="ctr"/>
+            <a:r>
+              <a:rPr lang="en-US" dirty="0"/>
+              <a:t>Middle Nav</a:t>
+            </a:r>
+          </a:p>
+        </p:txBody>
+      </p:sp>
+      <p:sp>
+        <p:nvSpPr>
+          <p:cNvPr id="12" name="Rectangle 11">
+            <a:extLst>
+              <a:ext uri="{FF2B5EF4-FFF2-40B4-BE49-F238E27FC236}">
+                <a16:creationId xmlns:a16="http://schemas.microsoft.com/office/drawing/2014/main" id="{99B8753F-F3B0-BF74-99D9-A0C95B3F46A2}"/>
+              </a:ext>
+            </a:extLst>
+          </p:cNvPr>
+          <p:cNvSpPr/>
+          <p:nvPr/>
+        </p:nvSpPr>
+        <p:spPr>
+          <a:xfrm>
+            <a:off x="9398829" y="3453887"/>
+            <a:ext cx="1616364" cy="655782"/>
+          </a:xfrm>
+          <a:prstGeom prst="rect">
+            <a:avLst/>
+          </a:prstGeom>
+        </p:spPr>
+        <p:style>
+          <a:lnRef idx="2">
+            <a:schemeClr val="accent4">
+              <a:shade val="15000"/>
+            </a:schemeClr>
+          </a:lnRef>
+          <a:fillRef idx="1">
+            <a:schemeClr val="accent4"/>
+          </a:fillRef>
+          <a:effectRef idx="0">
+            <a:schemeClr val="accent4"/>
+          </a:effectRef>
+          <a:fontRef idx="minor">
+            <a:schemeClr val="lt1"/>
+          </a:fontRef>
+        </p:style>
+        <p:txBody>
+          <a:bodyPr rtlCol="0" anchor="ctr"/>
+          <a:lstStyle/>
+          <a:p>
+            <a:pPr algn="ctr"/>
+            <a:r>
+              <a:rPr lang="en-US" dirty="0"/>
+              <a:t>Right Nav</a:t>
+            </a:r>
+          </a:p>
+        </p:txBody>
+      </p:sp>
+      <p:sp>
+        <p:nvSpPr>
+          <p:cNvPr id="13" name="TextBox 12">
+            <a:extLst>
+              <a:ext uri="{FF2B5EF4-FFF2-40B4-BE49-F238E27FC236}">
+                <a16:creationId xmlns:a16="http://schemas.microsoft.com/office/drawing/2014/main" id="{22CE81EB-6F47-7629-B447-2A0D04A899F9}"/>
+              </a:ext>
+            </a:extLst>
+          </p:cNvPr>
+          <p:cNvSpPr txBox="1"/>
+          <p:nvPr/>
+        </p:nvSpPr>
+        <p:spPr>
+          <a:xfrm>
+            <a:off x="921624" y="1469364"/>
+            <a:ext cx="1552861" cy="369332"/>
+          </a:xfrm>
+          <a:prstGeom prst="rect">
+            <a:avLst/>
+          </a:prstGeom>
+          <a:noFill/>
+        </p:spPr>
+        <p:txBody>
+          <a:bodyPr wrap="none" rtlCol="0">
+            <a:spAutoFit/>
+          </a:bodyPr>
+          <a:lstStyle/>
+          <a:p>
+            <a:r>
+              <a:rPr lang="en-US" dirty="0"/>
+              <a:t>#navContainer</a:t>
+            </a:r>
+          </a:p>
+        </p:txBody>
+      </p:sp>
+      <p:sp>
+        <p:nvSpPr>
+          <p:cNvPr id="14" name="TextBox 13">
+            <a:extLst>
+              <a:ext uri="{FF2B5EF4-FFF2-40B4-BE49-F238E27FC236}">
+                <a16:creationId xmlns:a16="http://schemas.microsoft.com/office/drawing/2014/main" id="{8930567F-1A3E-863E-E483-B674A678A131}"/>
+              </a:ext>
+            </a:extLst>
+          </p:cNvPr>
+          <p:cNvSpPr txBox="1"/>
+          <p:nvPr/>
+        </p:nvSpPr>
+        <p:spPr>
+          <a:xfrm>
+            <a:off x="5296549" y="177964"/>
+            <a:ext cx="1736437" cy="523220"/>
+          </a:xfrm>
+          <a:prstGeom prst="rect">
+            <a:avLst/>
+          </a:prstGeom>
+          <a:noFill/>
+        </p:spPr>
+        <p:txBody>
+          <a:bodyPr wrap="none" rtlCol="0">
+            <a:spAutoFit/>
+          </a:bodyPr>
+          <a:lstStyle/>
+          <a:p>
+            <a:r>
+              <a:rPr lang="en-US" sz="2800" dirty="0"/>
+              <a:t>Navigation</a:t>
+            </a:r>
+            <a:endParaRPr lang="en-US" dirty="0"/>
+          </a:p>
+        </p:txBody>
+      </p:sp>
+    </p:spTree>
+    <p:extLst>
+      <p:ext uri="{BB962C8B-B14F-4D97-AF65-F5344CB8AC3E}">
+        <p14:creationId xmlns:p14="http://schemas.microsoft.com/office/powerpoint/2010/main" val="1229979543"/>
+      </p:ext>
+    </p:extLst>
+  </p:cSld>
+  <p:clrMapOvr>
+    <a:masterClrMapping/>
+  </p:clrMapOvr>
+</p:sld>
+</file>
+
+<file path=ppt/slides/slide5.xml><?xml version="1.0" encoding="utf-8"?>
+<p:sld xmlns:a="http://schemas.openxmlformats.org/drawingml/2006/main" xmlns:r="http://schemas.openxmlformats.org/officeDocument/2006/relationships" xmlns:p="http://schemas.openxmlformats.org/presentationml/2006/main">
+  <p:cSld>
+    <p:spTree>
+      <p:nvGrpSpPr>
+        <p:cNvPr id="1" name="">
+          <a:extLst>
+            <a:ext uri="{FF2B5EF4-FFF2-40B4-BE49-F238E27FC236}">
+              <a16:creationId xmlns:a16="http://schemas.microsoft.com/office/drawing/2014/main" id="{759EBE1C-E550-87E5-E9AD-B09FED6E04B9}"/>
+            </a:ext>
+          </a:extLst>
+        </p:cNvPr>
+        <p:cNvGrpSpPr/>
+        <p:nvPr/>
+      </p:nvGrpSpPr>
+      <p:grpSpPr>
+        <a:xfrm>
+          <a:off x="0" y="0"/>
+          <a:ext cx="0" cy="0"/>
+          <a:chOff x="0" y="0"/>
+          <a:chExt cx="0" cy="0"/>
+        </a:xfrm>
+      </p:grpSpPr>
+      <p:pic>
+        <p:nvPicPr>
+          <p:cNvPr id="2" name="Picture 1">
+            <a:extLst>
+              <a:ext uri="{FF2B5EF4-FFF2-40B4-BE49-F238E27FC236}">
+                <a16:creationId xmlns:a16="http://schemas.microsoft.com/office/drawing/2014/main" id="{DDC598B7-5C5B-8606-34E8-1D9B89AD4256}"/>
+              </a:ext>
+            </a:extLst>
+          </p:cNvPr>
+          <p:cNvPicPr>
+            <a:picLocks noChangeAspect="1"/>
+          </p:cNvPicPr>
+          <p:nvPr/>
+        </p:nvPicPr>
+        <p:blipFill>
+          <a:blip r:embed="rId2"/>
+          <a:srcRect t="9955"/>
+          <a:stretch/>
+        </p:blipFill>
+        <p:spPr>
+          <a:xfrm>
+            <a:off x="1943976" y="876674"/>
+            <a:ext cx="8055901" cy="3187326"/>
+          </a:xfrm>
+          <a:prstGeom prst="rect">
+            <a:avLst/>
+          </a:prstGeom>
+          <a:ln>
+            <a:solidFill>
+              <a:schemeClr val="accent1"/>
+            </a:solidFill>
+          </a:ln>
+        </p:spPr>
+      </p:pic>
+      <p:sp>
+        <p:nvSpPr>
+          <p:cNvPr id="7" name="Rectangle 6">
+            <a:extLst>
+              <a:ext uri="{FF2B5EF4-FFF2-40B4-BE49-F238E27FC236}">
+                <a16:creationId xmlns:a16="http://schemas.microsoft.com/office/drawing/2014/main" id="{3530F339-91E3-EB7C-5E9B-DA6853990DDC}"/>
+              </a:ext>
+            </a:extLst>
+          </p:cNvPr>
+          <p:cNvSpPr/>
+          <p:nvPr/>
+        </p:nvSpPr>
+        <p:spPr>
+          <a:xfrm>
+            <a:off x="1943976" y="876675"/>
+            <a:ext cx="8055901" cy="3187326"/>
+          </a:xfrm>
+          <a:prstGeom prst="rect">
+            <a:avLst/>
+          </a:prstGeom>
+          <a:noFill/>
+          <a:ln w="31750">
+            <a:solidFill>
+              <a:srgbClr val="FF0000"/>
+            </a:solidFill>
+            <a:prstDash val="dash"/>
+          </a:ln>
+        </p:spPr>
+        <p:style>
+          <a:lnRef idx="2">
+            <a:schemeClr val="accent1">
+              <a:shade val="15000"/>
+            </a:schemeClr>
+          </a:lnRef>
+          <a:fillRef idx="1">
+            <a:schemeClr val="accent1"/>
+          </a:fillRef>
+          <a:effectRef idx="0">
+            <a:schemeClr val="accent1"/>
+          </a:effectRef>
+          <a:fontRef idx="minor">
+            <a:schemeClr val="lt1"/>
+          </a:fontRef>
+        </p:style>
+        <p:txBody>
+          <a:bodyPr rtlCol="0" anchor="ctr"/>
+          <a:lstStyle/>
+          <a:p>
+            <a:pPr algn="ctr"/>
+            <a:endParaRPr lang="en-US" dirty="0"/>
+          </a:p>
+        </p:txBody>
+      </p:sp>
+      <p:sp>
+        <p:nvSpPr>
+          <p:cNvPr id="14" name="Rectangle 13">
+            <a:extLst>
+              <a:ext uri="{FF2B5EF4-FFF2-40B4-BE49-F238E27FC236}">
+                <a16:creationId xmlns:a16="http://schemas.microsoft.com/office/drawing/2014/main" id="{D85E97FB-CCB8-6A00-7E33-5ED30F9EF2C1}"/>
+              </a:ext>
+            </a:extLst>
+          </p:cNvPr>
+          <p:cNvSpPr/>
+          <p:nvPr/>
+        </p:nvSpPr>
+        <p:spPr>
+          <a:xfrm>
+            <a:off x="3777673" y="876673"/>
+            <a:ext cx="4276436" cy="3187327"/>
+          </a:xfrm>
+          <a:prstGeom prst="rect">
+            <a:avLst/>
+          </a:prstGeom>
+          <a:noFill/>
+          <a:ln w="31750">
+            <a:solidFill>
+              <a:srgbClr val="FF0000"/>
+            </a:solidFill>
+            <a:prstDash val="dash"/>
+          </a:ln>
+        </p:spPr>
+        <p:style>
+          <a:lnRef idx="2">
+            <a:schemeClr val="accent1">
+              <a:shade val="15000"/>
+            </a:schemeClr>
+          </a:lnRef>
+          <a:fillRef idx="1">
+            <a:schemeClr val="accent1"/>
+          </a:fillRef>
+          <a:effectRef idx="0">
+            <a:schemeClr val="accent1"/>
+          </a:effectRef>
+          <a:fontRef idx="minor">
+            <a:schemeClr val="lt1"/>
+          </a:fontRef>
+        </p:style>
+        <p:txBody>
+          <a:bodyPr rtlCol="0" anchor="ctr"/>
+          <a:lstStyle/>
+          <a:p>
+            <a:pPr algn="ctr"/>
+            <a:endParaRPr lang="en-US" dirty="0"/>
+          </a:p>
+        </p:txBody>
+      </p:sp>
+      <p:sp>
+        <p:nvSpPr>
+          <p:cNvPr id="15" name="TextBox 14">
+            <a:extLst>
+              <a:ext uri="{FF2B5EF4-FFF2-40B4-BE49-F238E27FC236}">
+                <a16:creationId xmlns:a16="http://schemas.microsoft.com/office/drawing/2014/main" id="{78664C03-5266-7D8E-866C-6311DA50283B}"/>
+              </a:ext>
+            </a:extLst>
+          </p:cNvPr>
+          <p:cNvSpPr txBox="1"/>
+          <p:nvPr/>
+        </p:nvSpPr>
+        <p:spPr>
+          <a:xfrm>
+            <a:off x="5296549" y="177964"/>
+            <a:ext cx="1350754" cy="523220"/>
+          </a:xfrm>
+          <a:prstGeom prst="rect">
+            <a:avLst/>
+          </a:prstGeom>
+          <a:noFill/>
+        </p:spPr>
+        <p:txBody>
+          <a:bodyPr wrap="none" rtlCol="0">
+            <a:spAutoFit/>
+          </a:bodyPr>
+          <a:lstStyle/>
+          <a:p>
+            <a:r>
+              <a:rPr lang="en-US" sz="2800" dirty="0"/>
+              <a:t>Content</a:t>
+            </a:r>
+            <a:endParaRPr lang="en-US" dirty="0"/>
+          </a:p>
+        </p:txBody>
+      </p:sp>
+      <p:sp>
+        <p:nvSpPr>
+          <p:cNvPr id="16" name="Rectangle 15">
+            <a:extLst>
+              <a:ext uri="{FF2B5EF4-FFF2-40B4-BE49-F238E27FC236}">
+                <a16:creationId xmlns:a16="http://schemas.microsoft.com/office/drawing/2014/main" id="{9E8B8FBD-CFA4-893B-DFA8-E9767DFD48D7}"/>
+              </a:ext>
+            </a:extLst>
+          </p:cNvPr>
+          <p:cNvSpPr/>
+          <p:nvPr/>
+        </p:nvSpPr>
+        <p:spPr>
+          <a:xfrm>
+            <a:off x="3145599" y="4239490"/>
+            <a:ext cx="5652654" cy="2507673"/>
+          </a:xfrm>
+          <a:prstGeom prst="rect">
+            <a:avLst/>
+          </a:prstGeom>
+        </p:spPr>
+        <p:style>
+          <a:lnRef idx="2">
+            <a:schemeClr val="accent1">
+              <a:shade val="15000"/>
+            </a:schemeClr>
+          </a:lnRef>
+          <a:fillRef idx="1">
+            <a:schemeClr val="accent1"/>
+          </a:fillRef>
+          <a:effectRef idx="0">
+            <a:schemeClr val="accent1"/>
+          </a:effectRef>
+          <a:fontRef idx="minor">
+            <a:schemeClr val="lt1"/>
+          </a:fontRef>
+        </p:style>
+        <p:txBody>
+          <a:bodyPr rtlCol="0" anchor="ctr"/>
+          <a:lstStyle/>
+          <a:p>
+            <a:r>
+              <a:rPr lang="en-US" dirty="0"/>
+              <a:t>content–</a:t>
+            </a:r>
+          </a:p>
+          <a:p>
+            <a:r>
+              <a:rPr lang="en-US" dirty="0"/>
+              <a:t>container</a:t>
+            </a:r>
+          </a:p>
+        </p:txBody>
+      </p:sp>
+      <p:sp>
+        <p:nvSpPr>
+          <p:cNvPr id="17" name="Rectangle 16">
+            <a:extLst>
+              <a:ext uri="{FF2B5EF4-FFF2-40B4-BE49-F238E27FC236}">
+                <a16:creationId xmlns:a16="http://schemas.microsoft.com/office/drawing/2014/main" id="{21483D49-7F58-1E77-7208-39F5D0F99E4E}"/>
+              </a:ext>
+            </a:extLst>
+          </p:cNvPr>
+          <p:cNvSpPr/>
+          <p:nvPr/>
+        </p:nvSpPr>
+        <p:spPr>
+          <a:xfrm>
+            <a:off x="4568153" y="4352634"/>
+            <a:ext cx="2807546" cy="2394529"/>
+          </a:xfrm>
+          <a:prstGeom prst="rect">
+            <a:avLst/>
+          </a:prstGeom>
+        </p:spPr>
+        <p:style>
+          <a:lnRef idx="2">
+            <a:schemeClr val="accent4">
+              <a:shade val="15000"/>
+            </a:schemeClr>
+          </a:lnRef>
+          <a:fillRef idx="1">
+            <a:schemeClr val="accent4"/>
+          </a:fillRef>
+          <a:effectRef idx="0">
+            <a:schemeClr val="accent4"/>
+          </a:effectRef>
+          <a:fontRef idx="minor">
+            <a:schemeClr val="lt1"/>
+          </a:fontRef>
+        </p:style>
+        <p:txBody>
+          <a:bodyPr rtlCol="0" anchor="ctr"/>
+          <a:lstStyle/>
+          <a:p>
+            <a:pPr algn="ctr"/>
+            <a:r>
+              <a:rPr lang="en-US" dirty="0"/>
+              <a:t>main-content</a:t>
+            </a:r>
+          </a:p>
+        </p:txBody>
+      </p:sp>
+    </p:spTree>
+    <p:extLst>
+      <p:ext uri="{BB962C8B-B14F-4D97-AF65-F5344CB8AC3E}">
+        <p14:creationId xmlns:p14="http://schemas.microsoft.com/office/powerpoint/2010/main" val="2266244214"/>
+      </p:ext>
+    </p:extLst>
+  </p:cSld>
+  <p:clrMapOvr>
+    <a:masterClrMapping/>
+  </p:clrMapOvr>
+</p:sld>
+</file>
+
+<file path=ppt/slides/slide6.xml><?xml version="1.0" encoding="utf-8"?>
+<p:sld xmlns:a="http://schemas.openxmlformats.org/drawingml/2006/main" xmlns:r="http://schemas.openxmlformats.org/officeDocument/2006/relationships" xmlns:p="http://schemas.openxmlformats.org/presentationml/2006/main">
+  <p:cSld>
+    <p:spTree>
+      <p:nvGrpSpPr>
+        <p:cNvPr id="1" name=""/>
+        <p:cNvGrpSpPr/>
+        <p:nvPr/>
+      </p:nvGrpSpPr>
+      <p:grpSpPr>
+        <a:xfrm>
+          <a:off x="0" y="0"/>
+          <a:ext cx="0" cy="0"/>
+          <a:chOff x="0" y="0"/>
+          <a:chExt cx="0" cy="0"/>
+        </a:xfrm>
+      </p:grpSpPr>
+      <p:pic>
+        <p:nvPicPr>
+          <p:cNvPr id="4" name="Picture 3">
+            <a:extLst>
+              <a:ext uri="{FF2B5EF4-FFF2-40B4-BE49-F238E27FC236}">
+                <a16:creationId xmlns:a16="http://schemas.microsoft.com/office/drawing/2014/main" id="{3AAE4F45-C2CC-35BA-FA5E-A22C1689A50B}"/>
+              </a:ext>
+            </a:extLst>
+          </p:cNvPr>
+          <p:cNvPicPr>
+            <a:picLocks noChangeAspect="1"/>
+          </p:cNvPicPr>
+          <p:nvPr/>
+        </p:nvPicPr>
+        <p:blipFill>
+          <a:blip r:embed="rId2"/>
+          <a:srcRect l="22951" t="10630" r="23843"/>
+          <a:stretch/>
+        </p:blipFill>
+        <p:spPr>
+          <a:xfrm>
+            <a:off x="466927" y="1682884"/>
+            <a:ext cx="5389123" cy="3977429"/>
+          </a:xfrm>
+          <a:prstGeom prst="rect">
+            <a:avLst/>
+          </a:prstGeom>
+          <a:ln>
+            <a:solidFill>
+              <a:schemeClr val="accent1"/>
+            </a:solidFill>
+          </a:ln>
+        </p:spPr>
+      </p:pic>
+      <p:sp>
+        <p:nvSpPr>
+          <p:cNvPr id="5" name="Rectangle 4">
+            <a:extLst>
+              <a:ext uri="{FF2B5EF4-FFF2-40B4-BE49-F238E27FC236}">
+                <a16:creationId xmlns:a16="http://schemas.microsoft.com/office/drawing/2014/main" id="{DAB95604-4F6C-D0B8-4C45-C47EBC20242F}"/>
+              </a:ext>
+            </a:extLst>
+          </p:cNvPr>
+          <p:cNvSpPr/>
+          <p:nvPr/>
+        </p:nvSpPr>
+        <p:spPr>
+          <a:xfrm>
+            <a:off x="540048" y="1722139"/>
+            <a:ext cx="5316002" cy="1233497"/>
+          </a:xfrm>
+          <a:prstGeom prst="rect">
+            <a:avLst/>
+          </a:prstGeom>
+          <a:noFill/>
+          <a:ln w="31750">
+            <a:solidFill>
+              <a:srgbClr val="FF0000"/>
+            </a:solidFill>
+            <a:prstDash val="dash"/>
+          </a:ln>
+        </p:spPr>
+        <p:style>
+          <a:lnRef idx="2">
+            <a:schemeClr val="accent1">
+              <a:shade val="15000"/>
+            </a:schemeClr>
+          </a:lnRef>
+          <a:fillRef idx="1">
+            <a:schemeClr val="accent1"/>
+          </a:fillRef>
+          <a:effectRef idx="0">
+            <a:schemeClr val="accent1"/>
+          </a:effectRef>
+          <a:fontRef idx="minor">
+            <a:schemeClr val="lt1"/>
+          </a:fontRef>
+        </p:style>
+        <p:txBody>
+          <a:bodyPr rtlCol="0" anchor="ctr"/>
+          <a:lstStyle/>
+          <a:p>
+            <a:pPr algn="ctr"/>
+            <a:endParaRPr lang="en-US" dirty="0"/>
+          </a:p>
+        </p:txBody>
+      </p:sp>
+      <p:sp>
+        <p:nvSpPr>
+          <p:cNvPr id="6" name="Rectangle 5">
+            <a:extLst>
+              <a:ext uri="{FF2B5EF4-FFF2-40B4-BE49-F238E27FC236}">
+                <a16:creationId xmlns:a16="http://schemas.microsoft.com/office/drawing/2014/main" id="{5E93F39E-6BB4-F77A-4938-88598226AD33}"/>
+              </a:ext>
+            </a:extLst>
+          </p:cNvPr>
+          <p:cNvSpPr/>
+          <p:nvPr/>
+        </p:nvSpPr>
+        <p:spPr>
+          <a:xfrm>
+            <a:off x="1685358" y="3094180"/>
+            <a:ext cx="4068898" cy="443347"/>
+          </a:xfrm>
+          <a:prstGeom prst="rect">
+            <a:avLst/>
+          </a:prstGeom>
+          <a:noFill/>
+          <a:ln w="31750">
+            <a:solidFill>
+              <a:srgbClr val="FF0000"/>
+            </a:solidFill>
+            <a:prstDash val="dash"/>
+          </a:ln>
+        </p:spPr>
+        <p:style>
+          <a:lnRef idx="2">
+            <a:schemeClr val="accent1">
+              <a:shade val="15000"/>
+            </a:schemeClr>
+          </a:lnRef>
+          <a:fillRef idx="1">
+            <a:schemeClr val="accent1"/>
+          </a:fillRef>
+          <a:effectRef idx="0">
+            <a:schemeClr val="accent1"/>
+          </a:effectRef>
+          <a:fontRef idx="minor">
+            <a:schemeClr val="lt1"/>
+          </a:fontRef>
+        </p:style>
+        <p:txBody>
+          <a:bodyPr rtlCol="0" anchor="ctr"/>
+          <a:lstStyle/>
+          <a:p>
+            <a:pPr algn="ctr"/>
+            <a:endParaRPr lang="en-US" dirty="0"/>
+          </a:p>
+        </p:txBody>
+      </p:sp>
+      <p:sp>
+        <p:nvSpPr>
+          <p:cNvPr id="9" name="Rectangle 8">
+            <a:extLst>
+              <a:ext uri="{FF2B5EF4-FFF2-40B4-BE49-F238E27FC236}">
+                <a16:creationId xmlns:a16="http://schemas.microsoft.com/office/drawing/2014/main" id="{37CBF1CE-A7FD-E446-8561-75942AD757A7}"/>
+              </a:ext>
+            </a:extLst>
+          </p:cNvPr>
+          <p:cNvSpPr/>
+          <p:nvPr/>
+        </p:nvSpPr>
+        <p:spPr>
+          <a:xfrm>
+            <a:off x="1685358" y="3537527"/>
+            <a:ext cx="4068898" cy="544299"/>
+          </a:xfrm>
+          <a:prstGeom prst="rect">
+            <a:avLst/>
+          </a:prstGeom>
+          <a:noFill/>
+          <a:ln w="31750">
+            <a:solidFill>
+              <a:srgbClr val="FF0000"/>
+            </a:solidFill>
+            <a:prstDash val="dash"/>
+          </a:ln>
+        </p:spPr>
+        <p:style>
+          <a:lnRef idx="2">
+            <a:schemeClr val="accent1">
+              <a:shade val="15000"/>
+            </a:schemeClr>
+          </a:lnRef>
+          <a:fillRef idx="1">
+            <a:schemeClr val="accent1"/>
+          </a:fillRef>
+          <a:effectRef idx="0">
+            <a:schemeClr val="accent1"/>
+          </a:effectRef>
+          <a:fontRef idx="minor">
+            <a:schemeClr val="lt1"/>
+          </a:fontRef>
+        </p:style>
+        <p:txBody>
+          <a:bodyPr rtlCol="0" anchor="ctr"/>
+          <a:lstStyle/>
+          <a:p>
+            <a:pPr algn="ctr"/>
+            <a:endParaRPr lang="en-US" dirty="0"/>
+          </a:p>
+        </p:txBody>
+      </p:sp>
+      <p:sp>
+        <p:nvSpPr>
+          <p:cNvPr id="10" name="Rectangle 9">
+            <a:extLst>
+              <a:ext uri="{FF2B5EF4-FFF2-40B4-BE49-F238E27FC236}">
+                <a16:creationId xmlns:a16="http://schemas.microsoft.com/office/drawing/2014/main" id="{7448BAD2-6644-A9AE-7E3D-DF528B7896A9}"/>
+              </a:ext>
+            </a:extLst>
+          </p:cNvPr>
+          <p:cNvSpPr/>
+          <p:nvPr/>
+        </p:nvSpPr>
+        <p:spPr>
+          <a:xfrm>
+            <a:off x="1685358" y="4095034"/>
+            <a:ext cx="4068898" cy="430139"/>
+          </a:xfrm>
+          <a:prstGeom prst="rect">
+            <a:avLst/>
+          </a:prstGeom>
+          <a:noFill/>
+          <a:ln w="31750">
+            <a:solidFill>
+              <a:srgbClr val="FF0000"/>
+            </a:solidFill>
+            <a:prstDash val="dash"/>
+          </a:ln>
+        </p:spPr>
+        <p:style>
+          <a:lnRef idx="2">
+            <a:schemeClr val="accent1">
+              <a:shade val="15000"/>
+            </a:schemeClr>
+          </a:lnRef>
+          <a:fillRef idx="1">
+            <a:schemeClr val="accent1"/>
+          </a:fillRef>
+          <a:effectRef idx="0">
+            <a:schemeClr val="accent1"/>
+          </a:effectRef>
+          <a:fontRef idx="minor">
+            <a:schemeClr val="lt1"/>
+          </a:fontRef>
+        </p:style>
+        <p:txBody>
+          <a:bodyPr rtlCol="0" anchor="ctr"/>
+          <a:lstStyle/>
+          <a:p>
+            <a:pPr algn="ctr"/>
+            <a:endParaRPr lang="en-US" dirty="0"/>
+          </a:p>
+        </p:txBody>
+      </p:sp>
+      <p:sp>
+        <p:nvSpPr>
+          <p:cNvPr id="11" name="Rectangle 10">
+            <a:extLst>
+              <a:ext uri="{FF2B5EF4-FFF2-40B4-BE49-F238E27FC236}">
+                <a16:creationId xmlns:a16="http://schemas.microsoft.com/office/drawing/2014/main" id="{8D39D4A8-7620-009E-69F9-8511925E8164}"/>
+              </a:ext>
+            </a:extLst>
+          </p:cNvPr>
+          <p:cNvSpPr/>
+          <p:nvPr/>
+        </p:nvSpPr>
+        <p:spPr>
+          <a:xfrm>
+            <a:off x="1685358" y="4525173"/>
+            <a:ext cx="4068898" cy="544299"/>
+          </a:xfrm>
+          <a:prstGeom prst="rect">
+            <a:avLst/>
+          </a:prstGeom>
+          <a:noFill/>
+          <a:ln w="31750">
+            <a:solidFill>
+              <a:srgbClr val="FF0000"/>
+            </a:solidFill>
+            <a:prstDash val="dash"/>
+          </a:ln>
+        </p:spPr>
+        <p:style>
+          <a:lnRef idx="2">
+            <a:schemeClr val="accent1">
+              <a:shade val="15000"/>
+            </a:schemeClr>
+          </a:lnRef>
+          <a:fillRef idx="1">
+            <a:schemeClr val="accent1"/>
+          </a:fillRef>
+          <a:effectRef idx="0">
+            <a:schemeClr val="accent1"/>
+          </a:effectRef>
+          <a:fontRef idx="minor">
+            <a:schemeClr val="lt1"/>
+          </a:fontRef>
+        </p:style>
+        <p:txBody>
+          <a:bodyPr rtlCol="0" anchor="ctr"/>
+          <a:lstStyle/>
+          <a:p>
+            <a:pPr algn="ctr"/>
+            <a:endParaRPr lang="en-US" dirty="0"/>
+          </a:p>
+        </p:txBody>
+      </p:sp>
+      <p:sp>
+        <p:nvSpPr>
+          <p:cNvPr id="12" name="Rectangle 11">
+            <a:extLst>
+              <a:ext uri="{FF2B5EF4-FFF2-40B4-BE49-F238E27FC236}">
+                <a16:creationId xmlns:a16="http://schemas.microsoft.com/office/drawing/2014/main" id="{F3E2551B-4724-EA90-5499-F43E3A251BA4}"/>
+              </a:ext>
+            </a:extLst>
+          </p:cNvPr>
+          <p:cNvSpPr/>
+          <p:nvPr/>
+        </p:nvSpPr>
+        <p:spPr>
+          <a:xfrm>
+            <a:off x="1685358" y="5079032"/>
+            <a:ext cx="4068898" cy="544299"/>
+          </a:xfrm>
+          <a:prstGeom prst="rect">
+            <a:avLst/>
+          </a:prstGeom>
+          <a:noFill/>
+          <a:ln w="31750">
+            <a:solidFill>
+              <a:srgbClr val="FF0000"/>
+            </a:solidFill>
+            <a:prstDash val="dash"/>
+          </a:ln>
+        </p:spPr>
+        <p:style>
+          <a:lnRef idx="2">
+            <a:schemeClr val="accent1">
+              <a:shade val="15000"/>
+            </a:schemeClr>
+          </a:lnRef>
+          <a:fillRef idx="1">
+            <a:schemeClr val="accent1"/>
+          </a:fillRef>
+          <a:effectRef idx="0">
+            <a:schemeClr val="accent1"/>
+          </a:effectRef>
+          <a:fontRef idx="minor">
+            <a:schemeClr val="lt1"/>
+          </a:fontRef>
+        </p:style>
+        <p:txBody>
+          <a:bodyPr rtlCol="0" anchor="ctr"/>
+          <a:lstStyle/>
+          <a:p>
+            <a:pPr algn="ctr"/>
+            <a:endParaRPr lang="en-US" dirty="0"/>
+          </a:p>
+        </p:txBody>
+      </p:sp>
+      <p:sp>
+        <p:nvSpPr>
+          <p:cNvPr id="13" name="Rectangle 12">
+            <a:extLst>
+              <a:ext uri="{FF2B5EF4-FFF2-40B4-BE49-F238E27FC236}">
+                <a16:creationId xmlns:a16="http://schemas.microsoft.com/office/drawing/2014/main" id="{F3B93145-AF06-9468-54F7-C0D2871B169E}"/>
+              </a:ext>
+            </a:extLst>
+          </p:cNvPr>
+          <p:cNvSpPr/>
+          <p:nvPr/>
+        </p:nvSpPr>
+        <p:spPr>
+          <a:xfrm>
+            <a:off x="540047" y="3127299"/>
+            <a:ext cx="965479" cy="544299"/>
+          </a:xfrm>
+          <a:prstGeom prst="rect">
+            <a:avLst/>
+          </a:prstGeom>
+          <a:noFill/>
+          <a:ln w="31750">
+            <a:solidFill>
+              <a:srgbClr val="FF0000"/>
+            </a:solidFill>
+            <a:prstDash val="dash"/>
+          </a:ln>
+        </p:spPr>
+        <p:style>
+          <a:lnRef idx="2">
+            <a:schemeClr val="accent1">
+              <a:shade val="15000"/>
+            </a:schemeClr>
+          </a:lnRef>
+          <a:fillRef idx="1">
+            <a:schemeClr val="accent1"/>
+          </a:fillRef>
+          <a:effectRef idx="0">
+            <a:schemeClr val="accent1"/>
+          </a:effectRef>
+          <a:fontRef idx="minor">
+            <a:schemeClr val="lt1"/>
+          </a:fontRef>
+        </p:style>
+        <p:txBody>
+          <a:bodyPr rtlCol="0" anchor="ctr"/>
+          <a:lstStyle/>
+          <a:p>
+            <a:pPr algn="ctr"/>
+            <a:endParaRPr lang="en-US" dirty="0"/>
+          </a:p>
+        </p:txBody>
+      </p:sp>
+      <p:sp>
+        <p:nvSpPr>
+          <p:cNvPr id="14" name="Rectangle 13">
+            <a:extLst>
+              <a:ext uri="{FF2B5EF4-FFF2-40B4-BE49-F238E27FC236}">
+                <a16:creationId xmlns:a16="http://schemas.microsoft.com/office/drawing/2014/main" id="{BC52C6F1-D2FB-0E1D-53D7-0D61F785CA0D}"/>
+              </a:ext>
+            </a:extLst>
+          </p:cNvPr>
+          <p:cNvSpPr/>
+          <p:nvPr/>
+        </p:nvSpPr>
+        <p:spPr>
+          <a:xfrm>
+            <a:off x="540047" y="3809676"/>
+            <a:ext cx="965479" cy="544299"/>
+          </a:xfrm>
+          <a:prstGeom prst="rect">
+            <a:avLst/>
+          </a:prstGeom>
+          <a:noFill/>
+          <a:ln w="31750">
+            <a:solidFill>
+              <a:srgbClr val="FF0000"/>
+            </a:solidFill>
+            <a:prstDash val="dash"/>
+          </a:ln>
+        </p:spPr>
+        <p:style>
+          <a:lnRef idx="2">
+            <a:schemeClr val="accent1">
+              <a:shade val="15000"/>
+            </a:schemeClr>
+          </a:lnRef>
+          <a:fillRef idx="1">
+            <a:schemeClr val="accent1"/>
+          </a:fillRef>
+          <a:effectRef idx="0">
+            <a:schemeClr val="accent1"/>
+          </a:effectRef>
+          <a:fontRef idx="minor">
+            <a:schemeClr val="lt1"/>
+          </a:fontRef>
+        </p:style>
+        <p:txBody>
+          <a:bodyPr rtlCol="0" anchor="ctr"/>
+          <a:lstStyle/>
+          <a:p>
+            <a:pPr algn="ctr"/>
+            <a:endParaRPr lang="en-US" dirty="0"/>
+          </a:p>
+        </p:txBody>
+      </p:sp>
+      <p:sp>
+        <p:nvSpPr>
+          <p:cNvPr id="15" name="Rectangle 14">
+            <a:extLst>
+              <a:ext uri="{FF2B5EF4-FFF2-40B4-BE49-F238E27FC236}">
+                <a16:creationId xmlns:a16="http://schemas.microsoft.com/office/drawing/2014/main" id="{836AC93D-4FCC-32A3-8E5A-A06B4BE30730}"/>
+              </a:ext>
+            </a:extLst>
+          </p:cNvPr>
+          <p:cNvSpPr/>
+          <p:nvPr/>
+        </p:nvSpPr>
+        <p:spPr>
+          <a:xfrm>
+            <a:off x="540046" y="4462844"/>
+            <a:ext cx="965479" cy="1088211"/>
+          </a:xfrm>
+          <a:prstGeom prst="rect">
+            <a:avLst/>
+          </a:prstGeom>
+          <a:noFill/>
+          <a:ln w="31750">
+            <a:solidFill>
+              <a:srgbClr val="FF0000"/>
+            </a:solidFill>
+            <a:prstDash val="dash"/>
+          </a:ln>
+        </p:spPr>
+        <p:style>
+          <a:lnRef idx="2">
+            <a:schemeClr val="accent1">
+              <a:shade val="15000"/>
+            </a:schemeClr>
+          </a:lnRef>
+          <a:fillRef idx="1">
+            <a:schemeClr val="accent1"/>
+          </a:fillRef>
+          <a:effectRef idx="0">
+            <a:schemeClr val="accent1"/>
+          </a:effectRef>
+          <a:fontRef idx="minor">
+            <a:schemeClr val="lt1"/>
+          </a:fontRef>
+        </p:style>
+        <p:txBody>
+          <a:bodyPr rtlCol="0" anchor="ctr"/>
+          <a:lstStyle/>
+          <a:p>
+            <a:pPr algn="ctr"/>
+            <a:endParaRPr lang="en-US" dirty="0"/>
+          </a:p>
+        </p:txBody>
+      </p:sp>
+      <p:sp>
+        <p:nvSpPr>
+          <p:cNvPr id="16" name="TextBox 15">
+            <a:extLst>
+              <a:ext uri="{FF2B5EF4-FFF2-40B4-BE49-F238E27FC236}">
+                <a16:creationId xmlns:a16="http://schemas.microsoft.com/office/drawing/2014/main" id="{239C336A-C1AB-4B39-0832-72ECCB740AD9}"/>
+              </a:ext>
+            </a:extLst>
+          </p:cNvPr>
+          <p:cNvSpPr txBox="1"/>
+          <p:nvPr/>
+        </p:nvSpPr>
+        <p:spPr>
+          <a:xfrm>
+            <a:off x="5296549" y="177964"/>
+            <a:ext cx="2182713" cy="523220"/>
+          </a:xfrm>
+          <a:prstGeom prst="rect">
+            <a:avLst/>
+          </a:prstGeom>
+          <a:noFill/>
+        </p:spPr>
+        <p:txBody>
+          <a:bodyPr wrap="none" rtlCol="0">
+            <a:spAutoFit/>
+          </a:bodyPr>
+          <a:lstStyle/>
+          <a:p>
+            <a:r>
+              <a:rPr lang="en-US" sz="2800" dirty="0"/>
+              <a:t>Main Content</a:t>
+            </a:r>
+            <a:endParaRPr lang="en-US" dirty="0"/>
+          </a:p>
+        </p:txBody>
+      </p:sp>
+      <p:sp>
+        <p:nvSpPr>
+          <p:cNvPr id="17" name="Rectangle 16">
+            <a:extLst>
+              <a:ext uri="{FF2B5EF4-FFF2-40B4-BE49-F238E27FC236}">
+                <a16:creationId xmlns:a16="http://schemas.microsoft.com/office/drawing/2014/main" id="{CC1C6117-0536-ABE0-A0B4-92F22494B3C4}"/>
+              </a:ext>
+            </a:extLst>
+          </p:cNvPr>
+          <p:cNvSpPr/>
+          <p:nvPr/>
+        </p:nvSpPr>
+        <p:spPr>
+          <a:xfrm>
+            <a:off x="6335950" y="1682884"/>
+            <a:ext cx="5569723" cy="3977429"/>
+          </a:xfrm>
+          <a:prstGeom prst="rect">
+            <a:avLst/>
+          </a:prstGeom>
+        </p:spPr>
+        <p:style>
+          <a:lnRef idx="2">
+            <a:schemeClr val="accent1">
+              <a:shade val="15000"/>
+            </a:schemeClr>
+          </a:lnRef>
+          <a:fillRef idx="1">
+            <a:schemeClr val="accent1"/>
+          </a:fillRef>
+          <a:effectRef idx="0">
+            <a:schemeClr val="accent1"/>
+          </a:effectRef>
+          <a:fontRef idx="minor">
+            <a:schemeClr val="lt1"/>
+          </a:fontRef>
+        </p:style>
+        <p:txBody>
+          <a:bodyPr rtlCol="0" anchor="ctr"/>
+          <a:lstStyle/>
+          <a:p>
+            <a:pPr algn="ctr"/>
+            <a:endParaRPr lang="en-US" dirty="0"/>
+          </a:p>
+        </p:txBody>
+      </p:sp>
+      <p:sp>
+        <p:nvSpPr>
+          <p:cNvPr id="18" name="Rectangle 17">
+            <a:extLst>
+              <a:ext uri="{FF2B5EF4-FFF2-40B4-BE49-F238E27FC236}">
+                <a16:creationId xmlns:a16="http://schemas.microsoft.com/office/drawing/2014/main" id="{DFB8CD31-8506-6B69-3CB2-0DF1B2EF8CEF}"/>
+              </a:ext>
+            </a:extLst>
+          </p:cNvPr>
+          <p:cNvSpPr/>
+          <p:nvPr/>
+        </p:nvSpPr>
+        <p:spPr>
+          <a:xfrm>
+            <a:off x="7758544" y="1208789"/>
+            <a:ext cx="2401455" cy="304800"/>
+          </a:xfrm>
+          <a:prstGeom prst="rect">
+            <a:avLst/>
+          </a:prstGeom>
+          <a:ln>
+            <a:noFill/>
+          </a:ln>
+        </p:spPr>
+        <p:style>
+          <a:lnRef idx="2">
+            <a:schemeClr val="accent1">
+              <a:shade val="15000"/>
+            </a:schemeClr>
+          </a:lnRef>
+          <a:fillRef idx="1">
+            <a:schemeClr val="accent1"/>
+          </a:fillRef>
+          <a:effectRef idx="0">
+            <a:schemeClr val="accent1"/>
+          </a:effectRef>
+          <a:fontRef idx="minor">
+            <a:schemeClr val="lt1"/>
+          </a:fontRef>
+        </p:style>
+        <p:txBody>
+          <a:bodyPr rtlCol="0" anchor="ctr"/>
+          <a:lstStyle/>
+          <a:p>
+            <a:pPr algn="ctr"/>
+            <a:r>
+              <a:rPr lang="en-US" dirty="0"/>
+              <a:t>main-content</a:t>
+            </a:r>
+          </a:p>
+        </p:txBody>
+      </p:sp>
+      <p:sp>
+        <p:nvSpPr>
+          <p:cNvPr id="19" name="Rectangle 18">
+            <a:extLst>
+              <a:ext uri="{FF2B5EF4-FFF2-40B4-BE49-F238E27FC236}">
+                <a16:creationId xmlns:a16="http://schemas.microsoft.com/office/drawing/2014/main" id="{0C56BF5E-1A45-97F6-092D-666AB4573659}"/>
+              </a:ext>
+            </a:extLst>
+          </p:cNvPr>
+          <p:cNvSpPr/>
+          <p:nvPr/>
+        </p:nvSpPr>
+        <p:spPr>
+          <a:xfrm>
+            <a:off x="6335951" y="1682885"/>
+            <a:ext cx="5569722" cy="1164226"/>
+          </a:xfrm>
+          <a:prstGeom prst="rect">
+            <a:avLst/>
+          </a:prstGeom>
+        </p:spPr>
+        <p:style>
+          <a:lnRef idx="2">
+            <a:schemeClr val="accent6">
+              <a:shade val="15000"/>
+            </a:schemeClr>
+          </a:lnRef>
+          <a:fillRef idx="1">
+            <a:schemeClr val="accent6"/>
+          </a:fillRef>
+          <a:effectRef idx="0">
+            <a:schemeClr val="accent6"/>
+          </a:effectRef>
+          <a:fontRef idx="minor">
+            <a:schemeClr val="lt1"/>
+          </a:fontRef>
+        </p:style>
+        <p:txBody>
+          <a:bodyPr rtlCol="0" anchor="ctr"/>
+          <a:lstStyle/>
+          <a:p>
+            <a:pPr algn="ctr"/>
+            <a:r>
+              <a:rPr lang="en-US" dirty="0"/>
+              <a:t>Header</a:t>
+            </a:r>
+          </a:p>
+        </p:txBody>
+      </p:sp>
+      <p:sp>
+        <p:nvSpPr>
+          <p:cNvPr id="20" name="Rectangle 19">
+            <a:extLst>
+              <a:ext uri="{FF2B5EF4-FFF2-40B4-BE49-F238E27FC236}">
+                <a16:creationId xmlns:a16="http://schemas.microsoft.com/office/drawing/2014/main" id="{4689B5DF-A6FB-38C6-13F8-503A3BDA769D}"/>
+              </a:ext>
+            </a:extLst>
+          </p:cNvPr>
+          <p:cNvSpPr/>
+          <p:nvPr/>
+        </p:nvSpPr>
+        <p:spPr>
+          <a:xfrm>
+            <a:off x="10224655" y="1776383"/>
+            <a:ext cx="1602508" cy="304800"/>
+          </a:xfrm>
+          <a:prstGeom prst="rect">
+            <a:avLst/>
+          </a:prstGeom>
+          <a:ln>
+            <a:noFill/>
+          </a:ln>
+        </p:spPr>
+        <p:style>
+          <a:lnRef idx="2">
+            <a:schemeClr val="accent1">
+              <a:shade val="15000"/>
+            </a:schemeClr>
+          </a:lnRef>
+          <a:fillRef idx="1">
+            <a:schemeClr val="accent1"/>
+          </a:fillRef>
+          <a:effectRef idx="0">
+            <a:schemeClr val="accent1"/>
+          </a:effectRef>
+          <a:fontRef idx="minor">
+            <a:schemeClr val="lt1"/>
+          </a:fontRef>
+        </p:style>
+        <p:txBody>
+          <a:bodyPr rtlCol="0" anchor="ctr"/>
+          <a:lstStyle/>
+          <a:p>
+            <a:pPr algn="ctr"/>
+            <a:r>
+              <a:rPr lang="en-US" dirty="0"/>
+              <a:t>customize</a:t>
+            </a:r>
+          </a:p>
+        </p:txBody>
+      </p:sp>
+      <p:sp>
+        <p:nvSpPr>
+          <p:cNvPr id="21" name="Rectangle 20">
+            <a:extLst>
+              <a:ext uri="{FF2B5EF4-FFF2-40B4-BE49-F238E27FC236}">
+                <a16:creationId xmlns:a16="http://schemas.microsoft.com/office/drawing/2014/main" id="{986E635F-A206-F9AD-F530-FABF35707CC6}"/>
+              </a:ext>
+            </a:extLst>
+          </p:cNvPr>
+          <p:cNvSpPr/>
+          <p:nvPr/>
+        </p:nvSpPr>
+        <p:spPr>
+          <a:xfrm>
+            <a:off x="6525491" y="2955636"/>
+            <a:ext cx="1602508" cy="2667695"/>
+          </a:xfrm>
+          <a:prstGeom prst="rect">
+            <a:avLst/>
+          </a:prstGeom>
+          <a:solidFill>
+            <a:schemeClr val="accent4"/>
+          </a:solidFill>
+          <a:ln>
+            <a:noFill/>
+          </a:ln>
+        </p:spPr>
+        <p:style>
+          <a:lnRef idx="2">
+            <a:schemeClr val="accent1">
+              <a:shade val="15000"/>
+            </a:schemeClr>
+          </a:lnRef>
+          <a:fillRef idx="1">
+            <a:schemeClr val="accent1"/>
+          </a:fillRef>
+          <a:effectRef idx="0">
+            <a:schemeClr val="accent1"/>
+          </a:effectRef>
+          <a:fontRef idx="minor">
+            <a:schemeClr val="lt1"/>
+          </a:fontRef>
+        </p:style>
+        <p:txBody>
+          <a:bodyPr rtlCol="0" anchor="ctr"/>
+          <a:lstStyle/>
+          <a:p>
+            <a:pPr algn="ctr"/>
+            <a:endParaRPr lang="en-US" dirty="0"/>
+          </a:p>
+        </p:txBody>
+      </p:sp>
+      <p:sp>
+        <p:nvSpPr>
+          <p:cNvPr id="22" name="Rectangle 21">
+            <a:extLst>
+              <a:ext uri="{FF2B5EF4-FFF2-40B4-BE49-F238E27FC236}">
+                <a16:creationId xmlns:a16="http://schemas.microsoft.com/office/drawing/2014/main" id="{8FDCB829-5241-BBEF-A350-3F6F3C9CD39F}"/>
+              </a:ext>
+            </a:extLst>
+          </p:cNvPr>
+          <p:cNvSpPr/>
+          <p:nvPr/>
+        </p:nvSpPr>
+        <p:spPr>
+          <a:xfrm>
+            <a:off x="6525491" y="2955635"/>
+            <a:ext cx="1602508" cy="304800"/>
+          </a:xfrm>
+          <a:prstGeom prst="rect">
+            <a:avLst/>
+          </a:prstGeom>
+          <a:solidFill>
+            <a:schemeClr val="accent4"/>
+          </a:solidFill>
+          <a:ln>
+            <a:noFill/>
+          </a:ln>
+        </p:spPr>
+        <p:style>
+          <a:lnRef idx="2">
+            <a:schemeClr val="accent1">
+              <a:shade val="15000"/>
+            </a:schemeClr>
+          </a:lnRef>
+          <a:fillRef idx="1">
+            <a:schemeClr val="accent1"/>
+          </a:fillRef>
+          <a:effectRef idx="0">
+            <a:schemeClr val="accent1"/>
+          </a:effectRef>
+          <a:fontRef idx="minor">
+            <a:schemeClr val="lt1"/>
+          </a:fontRef>
+        </p:style>
+        <p:txBody>
+          <a:bodyPr rtlCol="0" anchor="ctr"/>
+          <a:lstStyle/>
+          <a:p>
+            <a:pPr algn="ctr"/>
+            <a:r>
+              <a:rPr lang="en-US" dirty="0"/>
+              <a:t>left-section</a:t>
+            </a:r>
+          </a:p>
+        </p:txBody>
+      </p:sp>
+      <p:sp>
+        <p:nvSpPr>
+          <p:cNvPr id="23" name="Rectangle 22">
+            <a:extLst>
+              <a:ext uri="{FF2B5EF4-FFF2-40B4-BE49-F238E27FC236}">
+                <a16:creationId xmlns:a16="http://schemas.microsoft.com/office/drawing/2014/main" id="{56B4F2AB-0A27-CF96-8DDA-3793F97F0A9D}"/>
+              </a:ext>
+            </a:extLst>
+          </p:cNvPr>
+          <p:cNvSpPr/>
+          <p:nvPr/>
+        </p:nvSpPr>
+        <p:spPr>
+          <a:xfrm>
+            <a:off x="6615545" y="3366828"/>
+            <a:ext cx="1422400" cy="584205"/>
+          </a:xfrm>
+          <a:prstGeom prst="rect">
+            <a:avLst/>
+          </a:prstGeom>
+        </p:spPr>
+        <p:style>
+          <a:lnRef idx="2">
+            <a:schemeClr val="accent1">
+              <a:shade val="15000"/>
+            </a:schemeClr>
+          </a:lnRef>
+          <a:fillRef idx="1">
+            <a:schemeClr val="accent1"/>
+          </a:fillRef>
+          <a:effectRef idx="0">
+            <a:schemeClr val="accent1"/>
+          </a:effectRef>
+          <a:fontRef idx="minor">
+            <a:schemeClr val="lt1"/>
+          </a:fontRef>
+        </p:style>
+        <p:txBody>
+          <a:bodyPr rtlCol="0" anchor="ctr"/>
+          <a:lstStyle/>
+          <a:p>
+            <a:pPr algn="ctr"/>
+            <a:r>
+              <a:rPr lang="en-US" dirty="0"/>
+              <a:t>item1</a:t>
+            </a:r>
+          </a:p>
+        </p:txBody>
+      </p:sp>
+      <p:sp>
+        <p:nvSpPr>
+          <p:cNvPr id="26" name="Rectangle 25">
+            <a:extLst>
+              <a:ext uri="{FF2B5EF4-FFF2-40B4-BE49-F238E27FC236}">
+                <a16:creationId xmlns:a16="http://schemas.microsoft.com/office/drawing/2014/main" id="{628A49EB-D447-3F49-6E67-3CEA7062224E}"/>
+              </a:ext>
+            </a:extLst>
+          </p:cNvPr>
+          <p:cNvSpPr/>
+          <p:nvPr/>
+        </p:nvSpPr>
+        <p:spPr>
+          <a:xfrm>
+            <a:off x="6615545" y="4155738"/>
+            <a:ext cx="1422400" cy="584205"/>
+          </a:xfrm>
+          <a:prstGeom prst="rect">
+            <a:avLst/>
+          </a:prstGeom>
+        </p:spPr>
+        <p:style>
+          <a:lnRef idx="2">
+            <a:schemeClr val="accent1">
+              <a:shade val="15000"/>
+            </a:schemeClr>
+          </a:lnRef>
+          <a:fillRef idx="1">
+            <a:schemeClr val="accent1"/>
+          </a:fillRef>
+          <a:effectRef idx="0">
+            <a:schemeClr val="accent1"/>
+          </a:effectRef>
+          <a:fontRef idx="minor">
+            <a:schemeClr val="lt1"/>
+          </a:fontRef>
+        </p:style>
+        <p:txBody>
+          <a:bodyPr rtlCol="0" anchor="ctr"/>
+          <a:lstStyle/>
+          <a:p>
+            <a:pPr algn="ctr"/>
+            <a:r>
+              <a:rPr lang="en-US" dirty="0"/>
+              <a:t>item2</a:t>
+            </a:r>
+          </a:p>
+        </p:txBody>
+      </p:sp>
+      <p:sp>
+        <p:nvSpPr>
+          <p:cNvPr id="27" name="Rectangle 26">
+            <a:extLst>
+              <a:ext uri="{FF2B5EF4-FFF2-40B4-BE49-F238E27FC236}">
+                <a16:creationId xmlns:a16="http://schemas.microsoft.com/office/drawing/2014/main" id="{9E416BCA-14D5-2CF5-32B8-8FC01BDE3F5C}"/>
+              </a:ext>
+            </a:extLst>
+          </p:cNvPr>
+          <p:cNvSpPr/>
+          <p:nvPr/>
+        </p:nvSpPr>
+        <p:spPr>
+          <a:xfrm>
+            <a:off x="6622473" y="4914468"/>
+            <a:ext cx="1422400" cy="584205"/>
+          </a:xfrm>
+          <a:prstGeom prst="rect">
+            <a:avLst/>
+          </a:prstGeom>
+        </p:spPr>
+        <p:style>
+          <a:lnRef idx="2">
+            <a:schemeClr val="accent1">
+              <a:shade val="15000"/>
+            </a:schemeClr>
+          </a:lnRef>
+          <a:fillRef idx="1">
+            <a:schemeClr val="accent1"/>
+          </a:fillRef>
+          <a:effectRef idx="0">
+            <a:schemeClr val="accent1"/>
+          </a:effectRef>
+          <a:fontRef idx="minor">
+            <a:schemeClr val="lt1"/>
+          </a:fontRef>
+        </p:style>
+        <p:txBody>
+          <a:bodyPr rtlCol="0" anchor="ctr"/>
+          <a:lstStyle/>
+          <a:p>
+            <a:pPr algn="ctr"/>
+            <a:r>
+              <a:rPr lang="en-US" dirty="0"/>
+              <a:t>item3</a:t>
+            </a:r>
+          </a:p>
+        </p:txBody>
+      </p:sp>
+      <p:sp>
+        <p:nvSpPr>
+          <p:cNvPr id="28" name="Rectangle 27">
+            <a:extLst>
+              <a:ext uri="{FF2B5EF4-FFF2-40B4-BE49-F238E27FC236}">
+                <a16:creationId xmlns:a16="http://schemas.microsoft.com/office/drawing/2014/main" id="{D2693038-1DF6-D2DA-83C9-596C9752F465}"/>
+              </a:ext>
+            </a:extLst>
+          </p:cNvPr>
+          <p:cNvSpPr/>
+          <p:nvPr/>
+        </p:nvSpPr>
+        <p:spPr>
+          <a:xfrm>
+            <a:off x="8271357" y="2955635"/>
+            <a:ext cx="3555806" cy="2667695"/>
+          </a:xfrm>
+          <a:prstGeom prst="rect">
+            <a:avLst/>
+          </a:prstGeom>
+          <a:solidFill>
+            <a:schemeClr val="accent4"/>
+          </a:solidFill>
+          <a:ln>
+            <a:noFill/>
+          </a:ln>
+        </p:spPr>
+        <p:style>
+          <a:lnRef idx="2">
+            <a:schemeClr val="accent1">
+              <a:shade val="15000"/>
+            </a:schemeClr>
+          </a:lnRef>
+          <a:fillRef idx="1">
+            <a:schemeClr val="accent1"/>
+          </a:fillRef>
+          <a:effectRef idx="0">
+            <a:schemeClr val="accent1"/>
+          </a:effectRef>
+          <a:fontRef idx="minor">
+            <a:schemeClr val="lt1"/>
+          </a:fontRef>
+        </p:style>
+        <p:txBody>
+          <a:bodyPr rtlCol="0" anchor="ctr"/>
+          <a:lstStyle/>
+          <a:p>
+            <a:pPr algn="ctr"/>
+            <a:endParaRPr lang="en-US" dirty="0"/>
+          </a:p>
+        </p:txBody>
+      </p:sp>
+      <p:sp>
+        <p:nvSpPr>
+          <p:cNvPr id="29" name="Rectangle 28">
+            <a:extLst>
+              <a:ext uri="{FF2B5EF4-FFF2-40B4-BE49-F238E27FC236}">
+                <a16:creationId xmlns:a16="http://schemas.microsoft.com/office/drawing/2014/main" id="{BF6492D4-A96C-5DCF-B884-EE55206A53EF}"/>
+              </a:ext>
+            </a:extLst>
+          </p:cNvPr>
+          <p:cNvSpPr/>
+          <p:nvPr/>
+        </p:nvSpPr>
+        <p:spPr>
+          <a:xfrm>
+            <a:off x="9248006" y="2974899"/>
+            <a:ext cx="1602508" cy="304800"/>
+          </a:xfrm>
+          <a:prstGeom prst="rect">
+            <a:avLst/>
+          </a:prstGeom>
+          <a:solidFill>
+            <a:schemeClr val="accent4"/>
+          </a:solidFill>
+          <a:ln>
+            <a:noFill/>
+          </a:ln>
+        </p:spPr>
+        <p:style>
+          <a:lnRef idx="2">
+            <a:schemeClr val="accent1">
+              <a:shade val="15000"/>
+            </a:schemeClr>
+          </a:lnRef>
+          <a:fillRef idx="1">
+            <a:schemeClr val="accent1"/>
+          </a:fillRef>
+          <a:effectRef idx="0">
+            <a:schemeClr val="accent1"/>
+          </a:effectRef>
+          <a:fontRef idx="minor">
+            <a:schemeClr val="lt1"/>
+          </a:fontRef>
+        </p:style>
+        <p:txBody>
+          <a:bodyPr rtlCol="0" anchor="ctr"/>
+          <a:lstStyle/>
+          <a:p>
+            <a:pPr algn="ctr"/>
+            <a:r>
+              <a:rPr lang="en-US" dirty="0"/>
+              <a:t>right-section</a:t>
+            </a:r>
+          </a:p>
+        </p:txBody>
+      </p:sp>
+      <p:sp>
+        <p:nvSpPr>
+          <p:cNvPr id="30" name="Rectangle 29">
+            <a:extLst>
+              <a:ext uri="{FF2B5EF4-FFF2-40B4-BE49-F238E27FC236}">
+                <a16:creationId xmlns:a16="http://schemas.microsoft.com/office/drawing/2014/main" id="{A49644B9-C080-8B7D-B866-7AE9E441A9E8}"/>
+              </a:ext>
+            </a:extLst>
+          </p:cNvPr>
+          <p:cNvSpPr/>
+          <p:nvPr/>
+        </p:nvSpPr>
+        <p:spPr>
+          <a:xfrm>
+            <a:off x="8317541" y="3392517"/>
+            <a:ext cx="3407532" cy="442848"/>
+          </a:xfrm>
+          <a:prstGeom prst="rect">
+            <a:avLst/>
+          </a:prstGeom>
+        </p:spPr>
+        <p:style>
+          <a:lnRef idx="2">
+            <a:schemeClr val="accent1">
+              <a:shade val="15000"/>
+            </a:schemeClr>
+          </a:lnRef>
+          <a:fillRef idx="1">
+            <a:schemeClr val="accent1"/>
+          </a:fillRef>
+          <a:effectRef idx="0">
+            <a:schemeClr val="accent1"/>
+          </a:effectRef>
+          <a:fontRef idx="minor">
+            <a:schemeClr val="lt1"/>
+          </a:fontRef>
+        </p:style>
+        <p:txBody>
+          <a:bodyPr rtlCol="0" anchor="ctr"/>
+          <a:lstStyle/>
+          <a:p>
+            <a:pPr algn="ctr"/>
+            <a:r>
+              <a:rPr lang="en-US" dirty="0"/>
+              <a:t>Announcement</a:t>
+            </a:r>
+          </a:p>
+        </p:txBody>
+      </p:sp>
+      <p:sp>
+        <p:nvSpPr>
+          <p:cNvPr id="31" name="Rectangle 30">
+            <a:extLst>
+              <a:ext uri="{FF2B5EF4-FFF2-40B4-BE49-F238E27FC236}">
+                <a16:creationId xmlns:a16="http://schemas.microsoft.com/office/drawing/2014/main" id="{248E25B3-9EC0-E9E9-FA81-5A7134EFFD7A}"/>
+              </a:ext>
+            </a:extLst>
+          </p:cNvPr>
+          <p:cNvSpPr/>
+          <p:nvPr/>
+        </p:nvSpPr>
+        <p:spPr>
+          <a:xfrm>
+            <a:off x="8345494" y="3968872"/>
+            <a:ext cx="3407532" cy="442848"/>
+          </a:xfrm>
+          <a:prstGeom prst="rect">
+            <a:avLst/>
+          </a:prstGeom>
+        </p:spPr>
+        <p:style>
+          <a:lnRef idx="2">
+            <a:schemeClr val="accent1">
+              <a:shade val="15000"/>
+            </a:schemeClr>
+          </a:lnRef>
+          <a:fillRef idx="1">
+            <a:schemeClr val="accent1"/>
+          </a:fillRef>
+          <a:effectRef idx="0">
+            <a:schemeClr val="accent1"/>
+          </a:effectRef>
+          <a:fontRef idx="minor">
+            <a:schemeClr val="lt1"/>
+          </a:fontRef>
+        </p:style>
+        <p:txBody>
+          <a:bodyPr rtlCol="0" anchor="ctr"/>
+          <a:lstStyle/>
+          <a:p>
+            <a:pPr algn="ctr"/>
+            <a:r>
+              <a:rPr lang="en-US" dirty="0"/>
+              <a:t>Item1</a:t>
+            </a:r>
+          </a:p>
+        </p:txBody>
+      </p:sp>
+      <p:sp>
+        <p:nvSpPr>
+          <p:cNvPr id="33" name="Rectangle 32">
+            <a:extLst>
+              <a:ext uri="{FF2B5EF4-FFF2-40B4-BE49-F238E27FC236}">
+                <a16:creationId xmlns:a16="http://schemas.microsoft.com/office/drawing/2014/main" id="{4F934179-A993-08B9-324A-2E1ACE2BC072}"/>
+              </a:ext>
+            </a:extLst>
+          </p:cNvPr>
+          <p:cNvSpPr/>
+          <p:nvPr/>
+        </p:nvSpPr>
+        <p:spPr>
+          <a:xfrm>
+            <a:off x="8345494" y="4545227"/>
+            <a:ext cx="3407532" cy="442848"/>
+          </a:xfrm>
+          <a:prstGeom prst="rect">
+            <a:avLst/>
+          </a:prstGeom>
+        </p:spPr>
+        <p:style>
+          <a:lnRef idx="2">
+            <a:schemeClr val="accent1">
+              <a:shade val="15000"/>
+            </a:schemeClr>
+          </a:lnRef>
+          <a:fillRef idx="1">
+            <a:schemeClr val="accent1"/>
+          </a:fillRef>
+          <a:effectRef idx="0">
+            <a:schemeClr val="accent1"/>
+          </a:effectRef>
+          <a:fontRef idx="minor">
+            <a:schemeClr val="lt1"/>
+          </a:fontRef>
+        </p:style>
+        <p:txBody>
+          <a:bodyPr rtlCol="0" anchor="ctr"/>
+          <a:lstStyle/>
+          <a:p>
+            <a:pPr algn="ctr"/>
+            <a:r>
+              <a:rPr lang="en-US" dirty="0"/>
+              <a:t>Item2</a:t>
+            </a:r>
+          </a:p>
+        </p:txBody>
+      </p:sp>
+      <p:sp>
+        <p:nvSpPr>
+          <p:cNvPr id="34" name="Rectangle 33">
+            <a:extLst>
+              <a:ext uri="{FF2B5EF4-FFF2-40B4-BE49-F238E27FC236}">
+                <a16:creationId xmlns:a16="http://schemas.microsoft.com/office/drawing/2014/main" id="{717540C2-A238-A6B5-8187-E2C8F125E186}"/>
+              </a:ext>
+            </a:extLst>
+          </p:cNvPr>
+          <p:cNvSpPr/>
+          <p:nvPr/>
+        </p:nvSpPr>
+        <p:spPr>
+          <a:xfrm>
+            <a:off x="8345494" y="5108207"/>
+            <a:ext cx="3407532" cy="442848"/>
+          </a:xfrm>
+          <a:prstGeom prst="rect">
+            <a:avLst/>
+          </a:prstGeom>
+        </p:spPr>
+        <p:style>
+          <a:lnRef idx="2">
+            <a:schemeClr val="accent1">
+              <a:shade val="15000"/>
+            </a:schemeClr>
+          </a:lnRef>
+          <a:fillRef idx="1">
+            <a:schemeClr val="accent1"/>
+          </a:fillRef>
+          <a:effectRef idx="0">
+            <a:schemeClr val="accent1"/>
+          </a:effectRef>
+          <a:fontRef idx="minor">
+            <a:schemeClr val="lt1"/>
+          </a:fontRef>
+        </p:style>
+        <p:txBody>
+          <a:bodyPr rtlCol="0" anchor="ctr"/>
+          <a:lstStyle/>
+          <a:p>
+            <a:pPr algn="ctr"/>
+            <a:r>
+              <a:rPr lang="en-US" dirty="0"/>
+              <a:t>Item3</a:t>
+            </a:r>
+          </a:p>
+        </p:txBody>
+      </p:sp>
+    </p:spTree>
+    <p:extLst>
+      <p:ext uri="{BB962C8B-B14F-4D97-AF65-F5344CB8AC3E}">
+        <p14:creationId xmlns:p14="http://schemas.microsoft.com/office/powerpoint/2010/main" val="3615565354"/>
       </p:ext>
     </p:extLst>
   </p:cSld>
